--- a/presentation.pptx
+++ b/presentation.pptx
@@ -2,13 +2,15 @@
 <file path=ppt/presentation.xml><?xml version="1.0" encoding="utf-8"?>
 <p:presentation xmlns:a="http://schemas.openxmlformats.org/drawingml/2006/main" xmlns:r="http://schemas.openxmlformats.org/officeDocument/2006/relationships" xmlns:p="http://schemas.openxmlformats.org/presentationml/2006/main" saveSubsetFonts="1">
   <p:sldMasterIdLst>
-    <p:sldMasterId id="2147483648" r:id="rId1"/>
+    <p:sldMasterId id="2147483708" r:id="rId1"/>
   </p:sldMasterIdLst>
   <p:sldIdLst>
     <p:sldId id="256" r:id="rId2"/>
     <p:sldId id="257" r:id="rId3"/>
     <p:sldId id="259" r:id="rId4"/>
     <p:sldId id="258" r:id="rId5"/>
+    <p:sldId id="260" r:id="rId6"/>
+    <p:sldId id="261" r:id="rId7"/>
   </p:sldIdLst>
   <p:sldSz cx="9144000" cy="6858000" type="screen4x3"/>
   <p:notesSz cx="6858000" cy="9144000"/>
@@ -111,8 +113,13 @@
 </file>
 
 <file path=ppt/slideLayouts/slideLayout1.xml><?xml version="1.0" encoding="utf-8"?>
-<p:sldLayout xmlns:a="http://schemas.openxmlformats.org/drawingml/2006/main" xmlns:r="http://schemas.openxmlformats.org/officeDocument/2006/relationships" xmlns:p="http://schemas.openxmlformats.org/presentationml/2006/main" type="title" preserve="1">
+<p:sldLayout xmlns:a="http://schemas.openxmlformats.org/drawingml/2006/main" xmlns:r="http://schemas.openxmlformats.org/officeDocument/2006/relationships" xmlns:p="http://schemas.openxmlformats.org/presentationml/2006/main" showMasterSp="0" type="title" preserve="1">
   <p:cSld name="Title Slide">
+    <p:bg>
+      <p:bgRef idx="1001">
+        <a:schemeClr val="bg2"/>
+      </p:bgRef>
+    </p:bg>
     <p:spTree>
       <p:nvGrpSpPr>
         <p:cNvPr id="1" name=""/>
@@ -129,7 +136,149 @@
       </p:grpSpPr>
       <p:sp>
         <p:nvSpPr>
-          <p:cNvPr id="2" name="Title 1"/>
+          <p:cNvPr id="7" name="Rectangle 6"/>
+          <p:cNvSpPr/>
+          <p:nvPr/>
+        </p:nvSpPr>
+        <p:spPr bwMode="white">
+          <a:xfrm>
+            <a:off x="0" y="5971032"/>
+            <a:ext cx="9144000" cy="886968"/>
+          </a:xfrm>
+          <a:prstGeom prst="rect">
+            <a:avLst/>
+          </a:prstGeom>
+          <a:solidFill>
+            <a:srgbClr val="FFFFFF"/>
+          </a:solidFill>
+          <a:ln w="50800" cap="rnd" cmpd="dbl" algn="ctr">
+            <a:noFill/>
+            <a:prstDash val="solid"/>
+          </a:ln>
+          <a:effectLst/>
+        </p:spPr>
+        <p:style>
+          <a:lnRef idx="3">
+            <a:schemeClr val="lt1"/>
+          </a:lnRef>
+          <a:fillRef idx="1">
+            <a:schemeClr val="accent1"/>
+          </a:fillRef>
+          <a:effectRef idx="1">
+            <a:schemeClr val="accent1"/>
+          </a:effectRef>
+          <a:fontRef idx="minor">
+            <a:schemeClr val="lt1"/>
+          </a:fontRef>
+        </p:style>
+        <p:txBody>
+          <a:bodyPr anchor="ctr"/>
+          <a:lstStyle/>
+          <a:p>
+            <a:pPr algn="ctr" eaLnBrk="1" latinLnBrk="0" hangingPunct="1"/>
+            <a:endParaRPr kumimoji="0" lang="en-US"/>
+          </a:p>
+        </p:txBody>
+      </p:sp>
+      <p:sp>
+        <p:nvSpPr>
+          <p:cNvPr id="10" name="Rectangle 9"/>
+          <p:cNvSpPr/>
+          <p:nvPr/>
+        </p:nvSpPr>
+        <p:spPr>
+          <a:xfrm>
+            <a:off x="-9144" y="6053328"/>
+            <a:ext cx="2249424" cy="713232"/>
+          </a:xfrm>
+          <a:prstGeom prst="rect">
+            <a:avLst/>
+          </a:prstGeom>
+          <a:solidFill>
+            <a:schemeClr val="accent2">
+              <a:alpha val="100000"/>
+            </a:schemeClr>
+          </a:solidFill>
+          <a:ln w="50800" cap="rnd" cmpd="dbl" algn="ctr">
+            <a:noFill/>
+            <a:prstDash val="solid"/>
+          </a:ln>
+          <a:effectLst/>
+        </p:spPr>
+        <p:style>
+          <a:lnRef idx="3">
+            <a:schemeClr val="lt1"/>
+          </a:lnRef>
+          <a:fillRef idx="1">
+            <a:schemeClr val="accent1"/>
+          </a:fillRef>
+          <a:effectRef idx="1">
+            <a:schemeClr val="accent1"/>
+          </a:effectRef>
+          <a:fontRef idx="minor">
+            <a:schemeClr val="lt1"/>
+          </a:fontRef>
+        </p:style>
+        <p:txBody>
+          <a:bodyPr anchor="ctr"/>
+          <a:lstStyle/>
+          <a:p>
+            <a:pPr algn="ctr" eaLnBrk="1" latinLnBrk="0" hangingPunct="1"/>
+            <a:endParaRPr kumimoji="0" lang="en-US"/>
+          </a:p>
+        </p:txBody>
+      </p:sp>
+      <p:sp>
+        <p:nvSpPr>
+          <p:cNvPr id="11" name="Rectangle 10"/>
+          <p:cNvSpPr/>
+          <p:nvPr/>
+        </p:nvSpPr>
+        <p:spPr>
+          <a:xfrm>
+            <a:off x="2359152" y="6044184"/>
+            <a:ext cx="6784848" cy="713232"/>
+          </a:xfrm>
+          <a:prstGeom prst="rect">
+            <a:avLst/>
+          </a:prstGeom>
+          <a:solidFill>
+            <a:schemeClr val="accent1">
+              <a:alpha val="100000"/>
+            </a:schemeClr>
+          </a:solidFill>
+          <a:ln w="50800" cap="rnd" cmpd="dbl" algn="ctr">
+            <a:noFill/>
+            <a:prstDash val="solid"/>
+          </a:ln>
+          <a:effectLst/>
+        </p:spPr>
+        <p:style>
+          <a:lnRef idx="3">
+            <a:schemeClr val="lt1"/>
+          </a:lnRef>
+          <a:fillRef idx="1">
+            <a:schemeClr val="accent1"/>
+          </a:fillRef>
+          <a:effectRef idx="1">
+            <a:schemeClr val="accent1"/>
+          </a:effectRef>
+          <a:fontRef idx="minor">
+            <a:schemeClr val="lt1"/>
+          </a:fontRef>
+        </p:style>
+        <p:txBody>
+          <a:bodyPr anchor="ctr"/>
+          <a:lstStyle/>
+          <a:p>
+            <a:pPr algn="ctr" eaLnBrk="1" latinLnBrk="0" hangingPunct="1"/>
+            <a:endParaRPr kumimoji="0" lang="en-US"/>
+          </a:p>
+        </p:txBody>
+      </p:sp>
+      <p:sp>
+        <p:nvSpPr>
+          <p:cNvPr id="8" name="Title 7"/>
           <p:cNvSpPr>
             <a:spLocks noGrp="1"/>
           </p:cNvSpPr>
@@ -139,25 +288,29 @@
         </p:nvSpPr>
         <p:spPr>
           <a:xfrm>
-            <a:off x="685800" y="2130425"/>
-            <a:ext cx="7772400" cy="1470025"/>
-          </a:xfrm>
-        </p:spPr>
-        <p:txBody>
-          <a:bodyPr/>
-          <a:lstStyle/>
-          <a:p>
-            <a:r>
-              <a:rPr lang="en-US" smtClean="0"/>
+            <a:off x="2362200" y="4038600"/>
+            <a:ext cx="6477000" cy="1828800"/>
+          </a:xfrm>
+        </p:spPr>
+        <p:txBody>
+          <a:bodyPr anchor="b"/>
+          <a:lstStyle>
+            <a:lvl1pPr>
+              <a:defRPr cap="all" baseline="0"/>
+            </a:lvl1pPr>
+          </a:lstStyle>
+          <a:p>
+            <a:r>
+              <a:rPr kumimoji="0" lang="en-US" smtClean="0"/>
               <a:t>Click to edit Master title style</a:t>
             </a:r>
-            <a:endParaRPr lang="en-US"/>
-          </a:p>
-        </p:txBody>
-      </p:sp>
-      <p:sp>
-        <p:nvSpPr>
-          <p:cNvPr id="3" name="Subtitle 2"/>
+            <a:endParaRPr kumimoji="0" lang="en-US"/>
+          </a:p>
+        </p:txBody>
+      </p:sp>
+      <p:sp>
+        <p:nvSpPr>
+          <p:cNvPr id="9" name="Subtitle 8"/>
           <p:cNvSpPr>
             <a:spLocks noGrp="1"/>
           </p:cNvSpPr>
@@ -167,169 +320,154 @@
         </p:nvSpPr>
         <p:spPr>
           <a:xfrm>
-            <a:off x="1371600" y="3886200"/>
-            <a:ext cx="6400800" cy="1752600"/>
-          </a:xfrm>
-        </p:spPr>
-        <p:txBody>
-          <a:bodyPr/>
+            <a:off x="2362200" y="6050037"/>
+            <a:ext cx="6705600" cy="685800"/>
+          </a:xfrm>
+        </p:spPr>
+        <p:txBody>
+          <a:bodyPr anchor="ctr">
+            <a:normAutofit/>
+          </a:bodyPr>
           <a:lstStyle>
-            <a:lvl1pPr marL="0" indent="0" algn="ctr">
+            <a:lvl1pPr marL="0" indent="0" algn="l">
               <a:buNone/>
-              <a:defRPr>
+              <a:defRPr sz="2600">
                 <a:solidFill>
-                  <a:schemeClr val="tx1">
-                    <a:tint val="75000"/>
-                  </a:schemeClr>
+                  <a:srgbClr val="FFFFFF"/>
                 </a:solidFill>
               </a:defRPr>
             </a:lvl1pPr>
             <a:lvl2pPr marL="457200" indent="0" algn="ctr">
               <a:buNone/>
-              <a:defRPr>
-                <a:solidFill>
-                  <a:schemeClr val="tx1">
-                    <a:tint val="75000"/>
-                  </a:schemeClr>
-                </a:solidFill>
-              </a:defRPr>
             </a:lvl2pPr>
             <a:lvl3pPr marL="914400" indent="0" algn="ctr">
               <a:buNone/>
-              <a:defRPr>
-                <a:solidFill>
-                  <a:schemeClr val="tx1">
-                    <a:tint val="75000"/>
-                  </a:schemeClr>
-                </a:solidFill>
-              </a:defRPr>
             </a:lvl3pPr>
             <a:lvl4pPr marL="1371600" indent="0" algn="ctr">
               <a:buNone/>
-              <a:defRPr>
-                <a:solidFill>
-                  <a:schemeClr val="tx1">
-                    <a:tint val="75000"/>
-                  </a:schemeClr>
-                </a:solidFill>
-              </a:defRPr>
             </a:lvl4pPr>
             <a:lvl5pPr marL="1828800" indent="0" algn="ctr">
               <a:buNone/>
-              <a:defRPr>
-                <a:solidFill>
-                  <a:schemeClr val="tx1">
-                    <a:tint val="75000"/>
-                  </a:schemeClr>
-                </a:solidFill>
-              </a:defRPr>
             </a:lvl5pPr>
             <a:lvl6pPr marL="2286000" indent="0" algn="ctr">
               <a:buNone/>
-              <a:defRPr>
-                <a:solidFill>
-                  <a:schemeClr val="tx1">
-                    <a:tint val="75000"/>
-                  </a:schemeClr>
-                </a:solidFill>
-              </a:defRPr>
             </a:lvl6pPr>
             <a:lvl7pPr marL="2743200" indent="0" algn="ctr">
               <a:buNone/>
-              <a:defRPr>
-                <a:solidFill>
-                  <a:schemeClr val="tx1">
-                    <a:tint val="75000"/>
-                  </a:schemeClr>
-                </a:solidFill>
-              </a:defRPr>
             </a:lvl7pPr>
             <a:lvl8pPr marL="3200400" indent="0" algn="ctr">
               <a:buNone/>
-              <a:defRPr>
-                <a:solidFill>
-                  <a:schemeClr val="tx1">
-                    <a:tint val="75000"/>
-                  </a:schemeClr>
-                </a:solidFill>
-              </a:defRPr>
             </a:lvl8pPr>
             <a:lvl9pPr marL="3657600" indent="0" algn="ctr">
               <a:buNone/>
+            </a:lvl9pPr>
+          </a:lstStyle>
+          <a:p>
+            <a:r>
+              <a:rPr kumimoji="0" lang="en-US" smtClean="0"/>
+              <a:t>Click to edit Master subtitle style</a:t>
+            </a:r>
+            <a:endParaRPr kumimoji="0" lang="en-US"/>
+          </a:p>
+        </p:txBody>
+      </p:sp>
+      <p:sp>
+        <p:nvSpPr>
+          <p:cNvPr id="28" name="Date Placeholder 27"/>
+          <p:cNvSpPr>
+            <a:spLocks noGrp="1"/>
+          </p:cNvSpPr>
+          <p:nvPr>
+            <p:ph type="dt" sz="half" idx="10"/>
+          </p:nvPr>
+        </p:nvSpPr>
+        <p:spPr>
+          <a:xfrm>
+            <a:off x="76200" y="6068699"/>
+            <a:ext cx="2057400" cy="685800"/>
+          </a:xfrm>
+        </p:spPr>
+        <p:txBody>
+          <a:bodyPr>
+            <a:noAutofit/>
+          </a:bodyPr>
+          <a:lstStyle>
+            <a:lvl1pPr algn="ctr">
+              <a:defRPr sz="2000">
+                <a:solidFill>
+                  <a:srgbClr val="FFFFFF"/>
+                </a:solidFill>
+              </a:defRPr>
+            </a:lvl1pPr>
+          </a:lstStyle>
+          <a:p>
+            <a:fld id="{8AB41A34-2EE5-44C4-9BA3-2FC8AB148CCF}" type="datetimeFigureOut">
+              <a:rPr lang="en-US" smtClean="0"/>
+              <a:t>4/26/2013</a:t>
+            </a:fld>
+            <a:endParaRPr lang="en-US"/>
+          </a:p>
+        </p:txBody>
+      </p:sp>
+      <p:sp>
+        <p:nvSpPr>
+          <p:cNvPr id="17" name="Footer Placeholder 16"/>
+          <p:cNvSpPr>
+            <a:spLocks noGrp="1"/>
+          </p:cNvSpPr>
+          <p:nvPr>
+            <p:ph type="ftr" sz="quarter" idx="11"/>
+          </p:nvPr>
+        </p:nvSpPr>
+        <p:spPr>
+          <a:xfrm>
+            <a:off x="2085393" y="236538"/>
+            <a:ext cx="5867400" cy="365125"/>
+          </a:xfrm>
+        </p:spPr>
+        <p:txBody>
+          <a:bodyPr/>
+          <a:lstStyle>
+            <a:lvl1pPr algn="r">
               <a:defRPr>
                 <a:solidFill>
-                  <a:schemeClr val="tx1">
-                    <a:tint val="75000"/>
-                  </a:schemeClr>
+                  <a:schemeClr val="tx2"/>
                 </a:solidFill>
               </a:defRPr>
-            </a:lvl9pPr>
+            </a:lvl1pPr>
           </a:lstStyle>
           <a:p>
-            <a:r>
-              <a:rPr lang="en-US" smtClean="0"/>
-              <a:t>Click to edit Master subtitle style</a:t>
-            </a:r>
             <a:endParaRPr lang="en-US"/>
           </a:p>
         </p:txBody>
       </p:sp>
       <p:sp>
         <p:nvSpPr>
-          <p:cNvPr id="4" name="Date Placeholder 3"/>
-          <p:cNvSpPr>
-            <a:spLocks noGrp="1"/>
-          </p:cNvSpPr>
-          <p:nvPr>
-            <p:ph type="dt" sz="half" idx="10"/>
-          </p:nvPr>
-        </p:nvSpPr>
-        <p:spPr/>
+          <p:cNvPr id="29" name="Slide Number Placeholder 28"/>
+          <p:cNvSpPr>
+            <a:spLocks noGrp="1"/>
+          </p:cNvSpPr>
+          <p:nvPr>
+            <p:ph type="sldNum" sz="quarter" idx="12"/>
+          </p:nvPr>
+        </p:nvSpPr>
+        <p:spPr>
+          <a:xfrm>
+            <a:off x="8001000" y="228600"/>
+            <a:ext cx="838200" cy="381000"/>
+          </a:xfrm>
+        </p:spPr>
         <p:txBody>
           <a:bodyPr/>
-          <a:lstStyle/>
-          <a:p>
-            <a:fld id="{8AB41A34-2EE5-44C4-9BA3-2FC8AB148CCF}" type="datetimeFigureOut">
-              <a:rPr lang="en-US" smtClean="0"/>
-              <a:t>4/23/2013</a:t>
-            </a:fld>
-            <a:endParaRPr lang="en-US"/>
-          </a:p>
-        </p:txBody>
-      </p:sp>
-      <p:sp>
-        <p:nvSpPr>
-          <p:cNvPr id="5" name="Footer Placeholder 4"/>
-          <p:cNvSpPr>
-            <a:spLocks noGrp="1"/>
-          </p:cNvSpPr>
-          <p:nvPr>
-            <p:ph type="ftr" sz="quarter" idx="11"/>
-          </p:nvPr>
-        </p:nvSpPr>
-        <p:spPr/>
-        <p:txBody>
-          <a:bodyPr/>
-          <a:lstStyle/>
-          <a:p>
-            <a:endParaRPr lang="en-US"/>
-          </a:p>
-        </p:txBody>
-      </p:sp>
-      <p:sp>
-        <p:nvSpPr>
-          <p:cNvPr id="6" name="Slide Number Placeholder 5"/>
-          <p:cNvSpPr>
-            <a:spLocks noGrp="1"/>
-          </p:cNvSpPr>
-          <p:nvPr>
-            <p:ph type="sldNum" sz="quarter" idx="12"/>
-          </p:nvPr>
-        </p:nvSpPr>
-        <p:spPr/>
-        <p:txBody>
-          <a:bodyPr/>
-          <a:lstStyle/>
+          <a:lstStyle>
+            <a:lvl1pPr>
+              <a:defRPr>
+                <a:solidFill>
+                  <a:schemeClr val="tx2"/>
+                </a:solidFill>
+              </a:defRPr>
+            </a:lvl1pPr>
+          </a:lstStyle>
           <a:p>
             <a:fld id="{1B0E5B9E-6395-4C0E-94A1-85C0CEBC3BB6}" type="slidenum">
               <a:rPr lang="en-US" smtClean="0"/>
@@ -340,14 +478,9 @@
         </p:txBody>
       </p:sp>
     </p:spTree>
-    <p:extLst>
-      <p:ext uri="{BB962C8B-B14F-4D97-AF65-F5344CB8AC3E}">
-        <p14:creationId xmlns:p14="http://schemas.microsoft.com/office/powerpoint/2010/main" val="1012119081"/>
-      </p:ext>
-    </p:extLst>
   </p:cSld>
   <p:clrMapOvr>
-    <a:masterClrMapping/>
+    <a:overrideClrMapping bg1="dk1" tx1="lt1" bg2="dk2" tx2="lt2" accent1="accent1" accent2="accent2" accent3="accent3" accent4="accent4" accent5="accent5" accent6="accent6" hlink="hlink" folHlink="folHlink"/>
   </p:clrMapOvr>
 </p:sldLayout>
 </file>
@@ -385,10 +518,10 @@
           <a:lstStyle/>
           <a:p>
             <a:r>
-              <a:rPr lang="en-US" smtClean="0"/>
+              <a:rPr kumimoji="0" lang="en-US" smtClean="0"/>
               <a:t>Click to edit Master title style</a:t>
             </a:r>
-            <a:endParaRPr lang="en-US"/>
+            <a:endParaRPr kumimoji="0" lang="en-US"/>
           </a:p>
         </p:txBody>
       </p:sp>
@@ -407,40 +540,40 @@
           <a:bodyPr vert="eaVert"/>
           <a:lstStyle/>
           <a:p>
-            <a:pPr lvl="0"/>
+            <a:pPr lvl="0" eaLnBrk="1" latinLnBrk="0" hangingPunct="1"/>
             <a:r>
               <a:rPr lang="en-US" smtClean="0"/>
               <a:t>Click to edit Master text styles</a:t>
             </a:r>
           </a:p>
           <a:p>
-            <a:pPr lvl="1"/>
+            <a:pPr lvl="1" eaLnBrk="1" latinLnBrk="0" hangingPunct="1"/>
             <a:r>
               <a:rPr lang="en-US" smtClean="0"/>
               <a:t>Second level</a:t>
             </a:r>
           </a:p>
           <a:p>
-            <a:pPr lvl="2"/>
+            <a:pPr lvl="2" eaLnBrk="1" latinLnBrk="0" hangingPunct="1"/>
             <a:r>
               <a:rPr lang="en-US" smtClean="0"/>
               <a:t>Third level</a:t>
             </a:r>
           </a:p>
           <a:p>
-            <a:pPr lvl="3"/>
+            <a:pPr lvl="3" eaLnBrk="1" latinLnBrk="0" hangingPunct="1"/>
             <a:r>
               <a:rPr lang="en-US" smtClean="0"/>
               <a:t>Fourth level</a:t>
             </a:r>
           </a:p>
           <a:p>
-            <a:pPr lvl="4"/>
+            <a:pPr lvl="4" eaLnBrk="1" latinLnBrk="0" hangingPunct="1"/>
             <a:r>
               <a:rPr lang="en-US" smtClean="0"/>
               <a:t>Fifth level</a:t>
             </a:r>
-            <a:endParaRPr lang="en-US"/>
+            <a:endParaRPr kumimoji="0" lang="en-US"/>
           </a:p>
         </p:txBody>
       </p:sp>
@@ -461,7 +594,7 @@
           <a:p>
             <a:fld id="{8AB41A34-2EE5-44C4-9BA3-2FC8AB148CCF}" type="datetimeFigureOut">
               <a:rPr lang="en-US" smtClean="0"/>
-              <a:t>4/23/2013</a:t>
+              <a:t>4/26/2013</a:t>
             </a:fld>
             <a:endParaRPr lang="en-US"/>
           </a:p>
@@ -510,11 +643,6 @@
         </p:txBody>
       </p:sp>
     </p:spTree>
-    <p:extLst>
-      <p:ext uri="{BB962C8B-B14F-4D97-AF65-F5344CB8AC3E}">
-        <p14:creationId xmlns:p14="http://schemas.microsoft.com/office/powerpoint/2010/main" val="1164296544"/>
-      </p:ext>
-    </p:extLst>
   </p:cSld>
   <p:clrMapOvr>
     <a:masterClrMapping/>
@@ -523,8 +651,13 @@
 </file>
 
 <file path=ppt/slideLayouts/slideLayout11.xml><?xml version="1.0" encoding="utf-8"?>
-<p:sldLayout xmlns:a="http://schemas.openxmlformats.org/drawingml/2006/main" xmlns:r="http://schemas.openxmlformats.org/officeDocument/2006/relationships" xmlns:p="http://schemas.openxmlformats.org/presentationml/2006/main" type="vertTitleAndTx" preserve="1">
+<p:sldLayout xmlns:a="http://schemas.openxmlformats.org/drawingml/2006/main" xmlns:r="http://schemas.openxmlformats.org/officeDocument/2006/relationships" xmlns:p="http://schemas.openxmlformats.org/presentationml/2006/main" showMasterSp="0" type="vertTitleAndTx" preserve="1">
   <p:cSld name="Vertical Title and Text">
+    <p:bg>
+      <p:bgRef idx="1001">
+        <a:schemeClr val="bg1"/>
+      </p:bgRef>
+    </p:bg>
     <p:spTree>
       <p:nvGrpSpPr>
         <p:cNvPr id="1" name=""/>
@@ -551,8 +684,8 @@
         </p:nvSpPr>
         <p:spPr>
           <a:xfrm>
-            <a:off x="6629400" y="274638"/>
-            <a:ext cx="2057400" cy="5851525"/>
+            <a:off x="6553200" y="609600"/>
+            <a:ext cx="2057400" cy="5516563"/>
           </a:xfrm>
         </p:spPr>
         <p:txBody>
@@ -560,10 +693,10 @@
           <a:lstStyle/>
           <a:p>
             <a:r>
-              <a:rPr lang="en-US" smtClean="0"/>
+              <a:rPr kumimoji="0" lang="en-US" smtClean="0"/>
               <a:t>Click to edit Master title style</a:t>
             </a:r>
-            <a:endParaRPr lang="en-US"/>
+            <a:endParaRPr kumimoji="0" lang="en-US"/>
           </a:p>
         </p:txBody>
       </p:sp>
@@ -579,48 +712,48 @@
         </p:nvSpPr>
         <p:spPr>
           <a:xfrm>
-            <a:off x="457200" y="274638"/>
-            <a:ext cx="6019800" cy="5851525"/>
+            <a:off x="457200" y="609600"/>
+            <a:ext cx="5562600" cy="5516564"/>
           </a:xfrm>
         </p:spPr>
         <p:txBody>
           <a:bodyPr vert="eaVert"/>
           <a:lstStyle/>
           <a:p>
-            <a:pPr lvl="0"/>
+            <a:pPr lvl="0" eaLnBrk="1" latinLnBrk="0" hangingPunct="1"/>
             <a:r>
               <a:rPr lang="en-US" smtClean="0"/>
               <a:t>Click to edit Master text styles</a:t>
             </a:r>
           </a:p>
           <a:p>
-            <a:pPr lvl="1"/>
+            <a:pPr lvl="1" eaLnBrk="1" latinLnBrk="0" hangingPunct="1"/>
             <a:r>
               <a:rPr lang="en-US" smtClean="0"/>
               <a:t>Second level</a:t>
             </a:r>
           </a:p>
           <a:p>
-            <a:pPr lvl="2"/>
+            <a:pPr lvl="2" eaLnBrk="1" latinLnBrk="0" hangingPunct="1"/>
             <a:r>
               <a:rPr lang="en-US" smtClean="0"/>
               <a:t>Third level</a:t>
             </a:r>
           </a:p>
           <a:p>
-            <a:pPr lvl="3"/>
+            <a:pPr lvl="3" eaLnBrk="1" latinLnBrk="0" hangingPunct="1"/>
             <a:r>
               <a:rPr lang="en-US" smtClean="0"/>
               <a:t>Fourth level</a:t>
             </a:r>
           </a:p>
           <a:p>
-            <a:pPr lvl="4"/>
+            <a:pPr lvl="4" eaLnBrk="1" latinLnBrk="0" hangingPunct="1"/>
             <a:r>
               <a:rPr lang="en-US" smtClean="0"/>
               <a:t>Fifth level</a:t>
             </a:r>
-            <a:endParaRPr lang="en-US"/>
+            <a:endParaRPr kumimoji="0" lang="en-US"/>
           </a:p>
         </p:txBody>
       </p:sp>
@@ -634,14 +767,19 @@
             <p:ph type="dt" sz="half" idx="10"/>
           </p:nvPr>
         </p:nvSpPr>
-        <p:spPr/>
+        <p:spPr>
+          <a:xfrm>
+            <a:off x="6553200" y="6248402"/>
+            <a:ext cx="2209800" cy="365125"/>
+          </a:xfrm>
+        </p:spPr>
         <p:txBody>
           <a:bodyPr/>
           <a:lstStyle/>
           <a:p>
             <a:fld id="{8AB41A34-2EE5-44C4-9BA3-2FC8AB148CCF}" type="datetimeFigureOut">
               <a:rPr lang="en-US" smtClean="0"/>
-              <a:t>4/23/2013</a:t>
+              <a:t>4/26/2013</a:t>
             </a:fld>
             <a:endParaRPr lang="en-US"/>
           </a:p>
@@ -657,7 +795,12 @@
             <p:ph type="ftr" sz="quarter" idx="11"/>
           </p:nvPr>
         </p:nvSpPr>
-        <p:spPr/>
+        <p:spPr>
+          <a:xfrm>
+            <a:off x="457201" y="6248207"/>
+            <a:ext cx="5573483" cy="365125"/>
+          </a:xfrm>
+        </p:spPr>
         <p:txBody>
           <a:bodyPr/>
           <a:lstStyle/>
@@ -668,6 +811,141 @@
       </p:sp>
       <p:sp>
         <p:nvSpPr>
+          <p:cNvPr id="7" name="Rectangle 6"/>
+          <p:cNvSpPr/>
+          <p:nvPr/>
+        </p:nvSpPr>
+        <p:spPr bwMode="white">
+          <a:xfrm>
+            <a:off x="6096318" y="0"/>
+            <a:ext cx="320040" cy="6858000"/>
+          </a:xfrm>
+          <a:prstGeom prst="rect">
+            <a:avLst/>
+          </a:prstGeom>
+          <a:solidFill>
+            <a:srgbClr val="FFFFFF"/>
+          </a:solidFill>
+          <a:ln w="19050" cap="flat" cmpd="sng" algn="ctr">
+            <a:noFill/>
+            <a:prstDash val="solid"/>
+          </a:ln>
+        </p:spPr>
+        <p:style>
+          <a:lnRef idx="2">
+            <a:schemeClr val="accent1"/>
+          </a:lnRef>
+          <a:fillRef idx="1">
+            <a:schemeClr val="accent1"/>
+          </a:fillRef>
+          <a:effectRef idx="0">
+            <a:schemeClr val="accent1"/>
+          </a:effectRef>
+          <a:fontRef idx="minor">
+            <a:schemeClr val="lt1"/>
+          </a:fontRef>
+        </p:style>
+        <p:txBody>
+          <a:bodyPr rtlCol="0" anchor="ctr"/>
+          <a:lstStyle/>
+          <a:p>
+            <a:pPr algn="ctr" eaLnBrk="1" latinLnBrk="0" hangingPunct="1"/>
+            <a:endParaRPr kumimoji="0" lang="en-US"/>
+          </a:p>
+        </p:txBody>
+      </p:sp>
+      <p:sp>
+        <p:nvSpPr>
+          <p:cNvPr id="8" name="Rectangle 7"/>
+          <p:cNvSpPr/>
+          <p:nvPr/>
+        </p:nvSpPr>
+        <p:spPr>
+          <a:xfrm>
+            <a:off x="6142038" y="609600"/>
+            <a:ext cx="228600" cy="6248400"/>
+          </a:xfrm>
+          <a:prstGeom prst="rect">
+            <a:avLst/>
+          </a:prstGeom>
+          <a:solidFill>
+            <a:schemeClr val="accent1"/>
+          </a:solidFill>
+          <a:ln w="19050" cap="flat" cmpd="sng" algn="ctr">
+            <a:noFill/>
+            <a:prstDash val="solid"/>
+          </a:ln>
+        </p:spPr>
+        <p:style>
+          <a:lnRef idx="2">
+            <a:schemeClr val="accent1"/>
+          </a:lnRef>
+          <a:fillRef idx="1">
+            <a:schemeClr val="accent1"/>
+          </a:fillRef>
+          <a:effectRef idx="0">
+            <a:schemeClr val="accent1"/>
+          </a:effectRef>
+          <a:fontRef idx="minor">
+            <a:schemeClr val="lt1"/>
+          </a:fontRef>
+        </p:style>
+        <p:txBody>
+          <a:bodyPr rtlCol="0" anchor="ctr"/>
+          <a:lstStyle/>
+          <a:p>
+            <a:pPr algn="ctr" eaLnBrk="1" latinLnBrk="0" hangingPunct="1"/>
+            <a:endParaRPr kumimoji="0" lang="en-US"/>
+          </a:p>
+        </p:txBody>
+      </p:sp>
+      <p:sp>
+        <p:nvSpPr>
+          <p:cNvPr id="9" name="Rectangle 8"/>
+          <p:cNvSpPr/>
+          <p:nvPr/>
+        </p:nvSpPr>
+        <p:spPr>
+          <a:xfrm>
+            <a:off x="6142038" y="0"/>
+            <a:ext cx="228600" cy="533400"/>
+          </a:xfrm>
+          <a:prstGeom prst="rect">
+            <a:avLst/>
+          </a:prstGeom>
+          <a:solidFill>
+            <a:schemeClr val="accent2"/>
+          </a:solidFill>
+          <a:ln w="19050" cap="flat" cmpd="sng" algn="ctr">
+            <a:noFill/>
+            <a:prstDash val="solid"/>
+          </a:ln>
+        </p:spPr>
+        <p:style>
+          <a:lnRef idx="2">
+            <a:schemeClr val="accent1"/>
+          </a:lnRef>
+          <a:fillRef idx="1">
+            <a:schemeClr val="accent1"/>
+          </a:fillRef>
+          <a:effectRef idx="0">
+            <a:schemeClr val="accent1"/>
+          </a:effectRef>
+          <a:fontRef idx="minor">
+            <a:schemeClr val="lt1"/>
+          </a:fontRef>
+        </p:style>
+        <p:txBody>
+          <a:bodyPr rtlCol="0" anchor="ctr"/>
+          <a:lstStyle/>
+          <a:p>
+            <a:pPr algn="ctr" eaLnBrk="1" latinLnBrk="0" hangingPunct="1"/>
+            <a:endParaRPr kumimoji="0" lang="en-US"/>
+          </a:p>
+        </p:txBody>
+      </p:sp>
+      <p:sp>
+        <p:nvSpPr>
           <p:cNvPr id="6" name="Slide Number Placeholder 5"/>
           <p:cNvSpPr>
             <a:spLocks noGrp="1"/>
@@ -676,7 +954,12 @@
             <p:ph type="sldNum" sz="quarter" idx="12"/>
           </p:nvPr>
         </p:nvSpPr>
-        <p:spPr/>
+        <p:spPr>
+          <a:xfrm rot="5400000">
+            <a:off x="5989638" y="144462"/>
+            <a:ext cx="533400" cy="244476"/>
+          </a:xfrm>
+        </p:spPr>
         <p:txBody>
           <a:bodyPr/>
           <a:lstStyle/>
@@ -690,14 +973,9 @@
         </p:txBody>
       </p:sp>
     </p:spTree>
-    <p:extLst>
-      <p:ext uri="{BB962C8B-B14F-4D97-AF65-F5344CB8AC3E}">
-        <p14:creationId xmlns:p14="http://schemas.microsoft.com/office/powerpoint/2010/main" val="2150234389"/>
-      </p:ext>
-    </p:extLst>
   </p:cSld>
   <p:clrMapOvr>
-    <a:masterClrMapping/>
+    <a:overrideClrMapping bg1="lt1" tx1="dk1" bg2="lt2" tx2="dk2" accent1="accent1" accent2="accent2" accent3="accent3" accent4="accent4" accent5="accent5" accent6="accent6" hlink="hlink" folHlink="folHlink"/>
   </p:clrMapOvr>
 </p:sldLayout>
 </file>
@@ -729,89 +1007,42 @@
             <p:ph type="title"/>
           </p:nvPr>
         </p:nvSpPr>
+        <p:spPr>
+          <a:xfrm>
+            <a:off x="612648" y="228600"/>
+            <a:ext cx="8153400" cy="990600"/>
+          </a:xfrm>
+        </p:spPr>
+        <p:txBody>
+          <a:bodyPr/>
+          <a:lstStyle/>
+          <a:p>
+            <a:r>
+              <a:rPr kumimoji="0" lang="en-US" smtClean="0"/>
+              <a:t>Click to edit Master title style</a:t>
+            </a:r>
+            <a:endParaRPr kumimoji="0" lang="en-US"/>
+          </a:p>
+        </p:txBody>
+      </p:sp>
+      <p:sp>
+        <p:nvSpPr>
+          <p:cNvPr id="4" name="Date Placeholder 3"/>
+          <p:cNvSpPr>
+            <a:spLocks noGrp="1"/>
+          </p:cNvSpPr>
+          <p:nvPr>
+            <p:ph type="dt" sz="half" idx="10"/>
+          </p:nvPr>
+        </p:nvSpPr>
         <p:spPr/>
         <p:txBody>
           <a:bodyPr/>
           <a:lstStyle/>
           <a:p>
-            <a:r>
-              <a:rPr lang="en-US" smtClean="0"/>
-              <a:t>Click to edit Master title style</a:t>
-            </a:r>
-            <a:endParaRPr lang="en-US"/>
-          </a:p>
-        </p:txBody>
-      </p:sp>
-      <p:sp>
-        <p:nvSpPr>
-          <p:cNvPr id="3" name="Content Placeholder 2"/>
-          <p:cNvSpPr>
-            <a:spLocks noGrp="1"/>
-          </p:cNvSpPr>
-          <p:nvPr>
-            <p:ph idx="1"/>
-          </p:nvPr>
-        </p:nvSpPr>
-        <p:spPr/>
-        <p:txBody>
-          <a:bodyPr/>
-          <a:lstStyle/>
-          <a:p>
-            <a:pPr lvl="0"/>
-            <a:r>
-              <a:rPr lang="en-US" smtClean="0"/>
-              <a:t>Click to edit Master text styles</a:t>
-            </a:r>
-          </a:p>
-          <a:p>
-            <a:pPr lvl="1"/>
-            <a:r>
-              <a:rPr lang="en-US" smtClean="0"/>
-              <a:t>Second level</a:t>
-            </a:r>
-          </a:p>
-          <a:p>
-            <a:pPr lvl="2"/>
-            <a:r>
-              <a:rPr lang="en-US" smtClean="0"/>
-              <a:t>Third level</a:t>
-            </a:r>
-          </a:p>
-          <a:p>
-            <a:pPr lvl="3"/>
-            <a:r>
-              <a:rPr lang="en-US" smtClean="0"/>
-              <a:t>Fourth level</a:t>
-            </a:r>
-          </a:p>
-          <a:p>
-            <a:pPr lvl="4"/>
-            <a:r>
-              <a:rPr lang="en-US" smtClean="0"/>
-              <a:t>Fifth level</a:t>
-            </a:r>
-            <a:endParaRPr lang="en-US"/>
-          </a:p>
-        </p:txBody>
-      </p:sp>
-      <p:sp>
-        <p:nvSpPr>
-          <p:cNvPr id="4" name="Date Placeholder 3"/>
-          <p:cNvSpPr>
-            <a:spLocks noGrp="1"/>
-          </p:cNvSpPr>
-          <p:nvPr>
-            <p:ph type="dt" sz="half" idx="10"/>
-          </p:nvPr>
-        </p:nvSpPr>
-        <p:spPr/>
-        <p:txBody>
-          <a:bodyPr/>
-          <a:lstStyle/>
-          <a:p>
             <a:fld id="{8AB41A34-2EE5-44C4-9BA3-2FC8AB148CCF}" type="datetimeFigureOut">
               <a:rPr lang="en-US" smtClean="0"/>
-              <a:t>4/23/2013</a:t>
+              <a:t>4/26/2013</a:t>
             </a:fld>
             <a:endParaRPr lang="en-US"/>
           </a:p>
@@ -849,7 +1080,15 @@
         <p:spPr/>
         <p:txBody>
           <a:bodyPr/>
-          <a:lstStyle/>
+          <a:lstStyle>
+            <a:lvl1pPr>
+              <a:defRPr>
+                <a:solidFill>
+                  <a:srgbClr val="FFFFFF"/>
+                </a:solidFill>
+              </a:defRPr>
+            </a:lvl1pPr>
+          </a:lstStyle>
           <a:p>
             <a:fld id="{1B0E5B9E-6395-4C0E-94A1-85C0CEBC3BB6}" type="slidenum">
               <a:rPr lang="en-US" smtClean="0"/>
@@ -859,12 +1098,64 @@
           </a:p>
         </p:txBody>
       </p:sp>
+      <p:sp>
+        <p:nvSpPr>
+          <p:cNvPr id="8" name="Content Placeholder 7"/>
+          <p:cNvSpPr>
+            <a:spLocks noGrp="1"/>
+          </p:cNvSpPr>
+          <p:nvPr>
+            <p:ph sz="quarter" idx="1"/>
+          </p:nvPr>
+        </p:nvSpPr>
+        <p:spPr>
+          <a:xfrm>
+            <a:off x="612648" y="1600200"/>
+            <a:ext cx="8153400" cy="4495800"/>
+          </a:xfrm>
+        </p:spPr>
+        <p:txBody>
+          <a:bodyPr/>
+          <a:lstStyle/>
+          <a:p>
+            <a:pPr lvl="0" eaLnBrk="1" latinLnBrk="0" hangingPunct="1"/>
+            <a:r>
+              <a:rPr lang="en-US" smtClean="0"/>
+              <a:t>Click to edit Master text styles</a:t>
+            </a:r>
+          </a:p>
+          <a:p>
+            <a:pPr lvl="1" eaLnBrk="1" latinLnBrk="0" hangingPunct="1"/>
+            <a:r>
+              <a:rPr lang="en-US" smtClean="0"/>
+              <a:t>Second level</a:t>
+            </a:r>
+          </a:p>
+          <a:p>
+            <a:pPr lvl="2" eaLnBrk="1" latinLnBrk="0" hangingPunct="1"/>
+            <a:r>
+              <a:rPr lang="en-US" smtClean="0"/>
+              <a:t>Third level</a:t>
+            </a:r>
+          </a:p>
+          <a:p>
+            <a:pPr lvl="3" eaLnBrk="1" latinLnBrk="0" hangingPunct="1"/>
+            <a:r>
+              <a:rPr lang="en-US" smtClean="0"/>
+              <a:t>Fourth level</a:t>
+            </a:r>
+          </a:p>
+          <a:p>
+            <a:pPr lvl="4" eaLnBrk="1" latinLnBrk="0" hangingPunct="1"/>
+            <a:r>
+              <a:rPr lang="en-US" smtClean="0"/>
+              <a:t>Fifth level</a:t>
+            </a:r>
+            <a:endParaRPr kumimoji="0" lang="en-US"/>
+          </a:p>
+        </p:txBody>
+      </p:sp>
     </p:spTree>
-    <p:extLst>
-      <p:ext uri="{BB962C8B-B14F-4D97-AF65-F5344CB8AC3E}">
-        <p14:creationId xmlns:p14="http://schemas.microsoft.com/office/powerpoint/2010/main" val="2363552522"/>
-      </p:ext>
-    </p:extLst>
   </p:cSld>
   <p:clrMapOvr>
     <a:masterClrMapping/>
@@ -873,8 +1164,13 @@
 </file>
 
 <file path=ppt/slideLayouts/slideLayout3.xml><?xml version="1.0" encoding="utf-8"?>
-<p:sldLayout xmlns:a="http://schemas.openxmlformats.org/drawingml/2006/main" xmlns:r="http://schemas.openxmlformats.org/officeDocument/2006/relationships" xmlns:p="http://schemas.openxmlformats.org/presentationml/2006/main" type="secHead" preserve="1">
+<p:sldLayout xmlns:a="http://schemas.openxmlformats.org/drawingml/2006/main" xmlns:r="http://schemas.openxmlformats.org/officeDocument/2006/relationships" xmlns:p="http://schemas.openxmlformats.org/presentationml/2006/main" showMasterSp="0" type="secHead" preserve="1">
   <p:cSld name="Section Header">
+    <p:bg>
+      <p:bgRef idx="1003">
+        <a:schemeClr val="bg1"/>
+      </p:bgRef>
+    </p:bg>
     <p:spTree>
       <p:nvGrpSpPr>
         <p:cNvPr id="1" name=""/>
@@ -891,66 +1187,32 @@
       </p:grpSpPr>
       <p:sp>
         <p:nvSpPr>
-          <p:cNvPr id="2" name="Title 1"/>
-          <p:cNvSpPr>
-            <a:spLocks noGrp="1"/>
-          </p:cNvSpPr>
-          <p:nvPr>
-            <p:ph type="title"/>
+          <p:cNvPr id="3" name="Text Placeholder 2"/>
+          <p:cNvSpPr>
+            <a:spLocks noGrp="1"/>
+          </p:cNvSpPr>
+          <p:nvPr>
+            <p:ph type="body" idx="1"/>
           </p:nvPr>
         </p:nvSpPr>
         <p:spPr>
           <a:xfrm>
-            <a:off x="722313" y="4406900"/>
-            <a:ext cx="7772400" cy="1362075"/>
+            <a:off x="1371600" y="2743200"/>
+            <a:ext cx="7123113" cy="1673225"/>
           </a:xfrm>
         </p:spPr>
         <p:txBody>
           <a:bodyPr anchor="t"/>
-          <a:lstStyle>
-            <a:lvl1pPr algn="l">
-              <a:defRPr sz="4000" b="1" cap="all"/>
-            </a:lvl1pPr>
-          </a:lstStyle>
-          <a:p>
-            <a:r>
-              <a:rPr lang="en-US" smtClean="0"/>
-              <a:t>Click to edit Master title style</a:t>
-            </a:r>
-            <a:endParaRPr lang="en-US"/>
-          </a:p>
-        </p:txBody>
-      </p:sp>
-      <p:sp>
-        <p:nvSpPr>
-          <p:cNvPr id="3" name="Text Placeholder 2"/>
-          <p:cNvSpPr>
-            <a:spLocks noGrp="1"/>
-          </p:cNvSpPr>
-          <p:nvPr>
-            <p:ph type="body" idx="1"/>
-          </p:nvPr>
-        </p:nvSpPr>
-        <p:spPr>
-          <a:xfrm>
-            <a:off x="722313" y="2906713"/>
-            <a:ext cx="7772400" cy="1500187"/>
-          </a:xfrm>
-        </p:spPr>
-        <p:txBody>
-          <a:bodyPr anchor="b"/>
           <a:lstStyle>
             <a:lvl1pPr marL="0" indent="0">
               <a:buNone/>
-              <a:defRPr sz="2000">
+              <a:defRPr sz="2800">
                 <a:solidFill>
-                  <a:schemeClr val="tx1">
-                    <a:tint val="75000"/>
-                  </a:schemeClr>
+                  <a:schemeClr val="tx2"/>
                 </a:solidFill>
               </a:defRPr>
             </a:lvl1pPr>
-            <a:lvl2pPr marL="457200" indent="0">
+            <a:lvl2pPr>
               <a:buNone/>
               <a:defRPr sz="1800">
                 <a:solidFill>
@@ -960,7 +1222,7 @@
                 </a:solidFill>
               </a:defRPr>
             </a:lvl2pPr>
-            <a:lvl3pPr marL="914400" indent="0">
+            <a:lvl3pPr>
               <a:buNone/>
               <a:defRPr sz="1600">
                 <a:solidFill>
@@ -970,7 +1232,7 @@
                 </a:solidFill>
               </a:defRPr>
             </a:lvl3pPr>
-            <a:lvl4pPr marL="1371600" indent="0">
+            <a:lvl4pPr>
               <a:buNone/>
               <a:defRPr sz="1400">
                 <a:solidFill>
@@ -980,7 +1242,7 @@
                 </a:solidFill>
               </a:defRPr>
             </a:lvl4pPr>
-            <a:lvl5pPr marL="1828800" indent="0">
+            <a:lvl5pPr>
               <a:buNone/>
               <a:defRPr sz="1400">
                 <a:solidFill>
@@ -990,112 +1252,247 @@
                 </a:solidFill>
               </a:defRPr>
             </a:lvl5pPr>
-            <a:lvl6pPr marL="2286000" indent="0">
+          </a:lstStyle>
+          <a:p>
+            <a:pPr lvl="0" eaLnBrk="1" latinLnBrk="0" hangingPunct="1"/>
+            <a:r>
+              <a:rPr kumimoji="0" lang="en-US" smtClean="0"/>
+              <a:t>Click to edit Master text styles</a:t>
+            </a:r>
+          </a:p>
+        </p:txBody>
+      </p:sp>
+      <p:sp>
+        <p:nvSpPr>
+          <p:cNvPr id="7" name="Rectangle 6"/>
+          <p:cNvSpPr/>
+          <p:nvPr/>
+        </p:nvSpPr>
+        <p:spPr bwMode="white">
+          <a:xfrm>
+            <a:off x="0" y="1524000"/>
+            <a:ext cx="9144000" cy="1143000"/>
+          </a:xfrm>
+          <a:prstGeom prst="rect">
+            <a:avLst/>
+          </a:prstGeom>
+          <a:solidFill>
+            <a:srgbClr val="FFFFFF"/>
+          </a:solidFill>
+          <a:ln w="50800" cap="rnd" cmpd="dbl" algn="ctr">
+            <a:noFill/>
+            <a:prstDash val="solid"/>
+          </a:ln>
+          <a:effectLst/>
+        </p:spPr>
+        <p:style>
+          <a:lnRef idx="3">
+            <a:schemeClr val="lt1"/>
+          </a:lnRef>
+          <a:fillRef idx="1">
+            <a:schemeClr val="accent1"/>
+          </a:fillRef>
+          <a:effectRef idx="1">
+            <a:schemeClr val="accent1"/>
+          </a:effectRef>
+          <a:fontRef idx="minor">
+            <a:schemeClr val="lt1"/>
+          </a:fontRef>
+        </p:style>
+        <p:txBody>
+          <a:bodyPr anchor="ctr"/>
+          <a:lstStyle/>
+          <a:p>
+            <a:pPr algn="ctr" eaLnBrk="1" latinLnBrk="0" hangingPunct="1"/>
+            <a:endParaRPr kumimoji="0" lang="en-US"/>
+          </a:p>
+        </p:txBody>
+      </p:sp>
+      <p:sp>
+        <p:nvSpPr>
+          <p:cNvPr id="8" name="Rectangle 7"/>
+          <p:cNvSpPr/>
+          <p:nvPr/>
+        </p:nvSpPr>
+        <p:spPr>
+          <a:xfrm>
+            <a:off x="0" y="1600200"/>
+            <a:ext cx="1295400" cy="990600"/>
+          </a:xfrm>
+          <a:prstGeom prst="rect">
+            <a:avLst/>
+          </a:prstGeom>
+          <a:solidFill>
+            <a:schemeClr val="accent2">
+              <a:alpha val="100000"/>
+            </a:schemeClr>
+          </a:solidFill>
+          <a:ln w="50800" cap="rnd" cmpd="dbl" algn="ctr">
+            <a:noFill/>
+            <a:prstDash val="solid"/>
+          </a:ln>
+          <a:effectLst/>
+        </p:spPr>
+        <p:style>
+          <a:lnRef idx="3">
+            <a:schemeClr val="lt1"/>
+          </a:lnRef>
+          <a:fillRef idx="1">
+            <a:schemeClr val="accent1"/>
+          </a:fillRef>
+          <a:effectRef idx="1">
+            <a:schemeClr val="accent1"/>
+          </a:effectRef>
+          <a:fontRef idx="minor">
+            <a:schemeClr val="lt1"/>
+          </a:fontRef>
+        </p:style>
+        <p:txBody>
+          <a:bodyPr anchor="ctr"/>
+          <a:lstStyle/>
+          <a:p>
+            <a:pPr algn="ctr" eaLnBrk="1" latinLnBrk="0" hangingPunct="1"/>
+            <a:endParaRPr kumimoji="0" lang="en-US"/>
+          </a:p>
+        </p:txBody>
+      </p:sp>
+      <p:sp>
+        <p:nvSpPr>
+          <p:cNvPr id="9" name="Rectangle 8"/>
+          <p:cNvSpPr/>
+          <p:nvPr/>
+        </p:nvSpPr>
+        <p:spPr>
+          <a:xfrm>
+            <a:off x="1371600" y="1600200"/>
+            <a:ext cx="7772400" cy="990600"/>
+          </a:xfrm>
+          <a:prstGeom prst="rect">
+            <a:avLst/>
+          </a:prstGeom>
+          <a:solidFill>
+            <a:schemeClr val="accent1">
+              <a:alpha val="100000"/>
+            </a:schemeClr>
+          </a:solidFill>
+          <a:ln w="50800" cap="rnd" cmpd="dbl" algn="ctr">
+            <a:noFill/>
+            <a:prstDash val="solid"/>
+          </a:ln>
+          <a:effectLst/>
+        </p:spPr>
+        <p:style>
+          <a:lnRef idx="3">
+            <a:schemeClr val="lt1"/>
+          </a:lnRef>
+          <a:fillRef idx="1">
+            <a:schemeClr val="accent1"/>
+          </a:fillRef>
+          <a:effectRef idx="1">
+            <a:schemeClr val="accent1"/>
+          </a:effectRef>
+          <a:fontRef idx="minor">
+            <a:schemeClr val="lt1"/>
+          </a:fontRef>
+        </p:style>
+        <p:txBody>
+          <a:bodyPr anchor="ctr"/>
+          <a:lstStyle/>
+          <a:p>
+            <a:pPr algn="ctr" eaLnBrk="1" latinLnBrk="0" hangingPunct="1"/>
+            <a:endParaRPr kumimoji="0" lang="en-US"/>
+          </a:p>
+        </p:txBody>
+      </p:sp>
+      <p:sp>
+        <p:nvSpPr>
+          <p:cNvPr id="2" name="Title 1"/>
+          <p:cNvSpPr>
+            <a:spLocks noGrp="1"/>
+          </p:cNvSpPr>
+          <p:nvPr>
+            <p:ph type="title"/>
+          </p:nvPr>
+        </p:nvSpPr>
+        <p:spPr>
+          <a:xfrm>
+            <a:off x="1371600" y="1600200"/>
+            <a:ext cx="7620000" cy="990600"/>
+          </a:xfrm>
+        </p:spPr>
+        <p:txBody>
+          <a:bodyPr/>
+          <a:lstStyle>
+            <a:lvl1pPr algn="l">
               <a:buNone/>
-              <a:defRPr sz="1400">
+              <a:defRPr sz="4400" b="0" cap="none">
                 <a:solidFill>
-                  <a:schemeClr val="tx1">
-                    <a:tint val="75000"/>
-                  </a:schemeClr>
+                  <a:srgbClr val="FFFFFF"/>
                 </a:solidFill>
               </a:defRPr>
-            </a:lvl6pPr>
-            <a:lvl7pPr marL="2743200" indent="0">
-              <a:buNone/>
-              <a:defRPr sz="1400">
+            </a:lvl1pPr>
+          </a:lstStyle>
+          <a:p>
+            <a:r>
+              <a:rPr kumimoji="0" lang="en-US" smtClean="0"/>
+              <a:t>Click to edit Master title style</a:t>
+            </a:r>
+            <a:endParaRPr kumimoji="0" lang="en-US"/>
+          </a:p>
+        </p:txBody>
+      </p:sp>
+      <p:sp>
+        <p:nvSpPr>
+          <p:cNvPr id="12" name="Date Placeholder 11"/>
+          <p:cNvSpPr>
+            <a:spLocks noGrp="1"/>
+          </p:cNvSpPr>
+          <p:nvPr>
+            <p:ph type="dt" sz="half" idx="10"/>
+          </p:nvPr>
+        </p:nvSpPr>
+        <p:spPr/>
+        <p:txBody>
+          <a:bodyPr/>
+          <a:lstStyle/>
+          <a:p>
+            <a:fld id="{8AB41A34-2EE5-44C4-9BA3-2FC8AB148CCF}" type="datetimeFigureOut">
+              <a:rPr lang="en-US" smtClean="0"/>
+              <a:t>4/26/2013</a:t>
+            </a:fld>
+            <a:endParaRPr lang="en-US"/>
+          </a:p>
+        </p:txBody>
+      </p:sp>
+      <p:sp>
+        <p:nvSpPr>
+          <p:cNvPr id="13" name="Slide Number Placeholder 12"/>
+          <p:cNvSpPr>
+            <a:spLocks noGrp="1"/>
+          </p:cNvSpPr>
+          <p:nvPr>
+            <p:ph type="sldNum" sz="quarter" idx="11"/>
+          </p:nvPr>
+        </p:nvSpPr>
+        <p:spPr>
+          <a:xfrm>
+            <a:off x="0" y="1752600"/>
+            <a:ext cx="1295400" cy="701676"/>
+          </a:xfrm>
+        </p:spPr>
+        <p:txBody>
+          <a:bodyPr>
+            <a:noAutofit/>
+          </a:bodyPr>
+          <a:lstStyle>
+            <a:lvl1pPr>
+              <a:defRPr sz="2400">
                 <a:solidFill>
-                  <a:schemeClr val="tx1">
-                    <a:tint val="75000"/>
-                  </a:schemeClr>
+                  <a:srgbClr val="FFFFFF"/>
                 </a:solidFill>
               </a:defRPr>
-            </a:lvl7pPr>
-            <a:lvl8pPr marL="3200400" indent="0">
-              <a:buNone/>
-              <a:defRPr sz="1400">
-                <a:solidFill>
-                  <a:schemeClr val="tx1">
-                    <a:tint val="75000"/>
-                  </a:schemeClr>
-                </a:solidFill>
-              </a:defRPr>
-            </a:lvl8pPr>
-            <a:lvl9pPr marL="3657600" indent="0">
-              <a:buNone/>
-              <a:defRPr sz="1400">
-                <a:solidFill>
-                  <a:schemeClr val="tx1">
-                    <a:tint val="75000"/>
-                  </a:schemeClr>
-                </a:solidFill>
-              </a:defRPr>
-            </a:lvl9pPr>
+            </a:lvl1pPr>
           </a:lstStyle>
-          <a:p>
-            <a:pPr lvl="0"/>
-            <a:r>
-              <a:rPr lang="en-US" smtClean="0"/>
-              <a:t>Click to edit Master text styles</a:t>
-            </a:r>
-          </a:p>
-        </p:txBody>
-      </p:sp>
-      <p:sp>
-        <p:nvSpPr>
-          <p:cNvPr id="4" name="Date Placeholder 3"/>
-          <p:cNvSpPr>
-            <a:spLocks noGrp="1"/>
-          </p:cNvSpPr>
-          <p:nvPr>
-            <p:ph type="dt" sz="half" idx="10"/>
-          </p:nvPr>
-        </p:nvSpPr>
-        <p:spPr/>
-        <p:txBody>
-          <a:bodyPr/>
-          <a:lstStyle/>
-          <a:p>
-            <a:fld id="{8AB41A34-2EE5-44C4-9BA3-2FC8AB148CCF}" type="datetimeFigureOut">
-              <a:rPr lang="en-US" smtClean="0"/>
-              <a:t>4/23/2013</a:t>
-            </a:fld>
-            <a:endParaRPr lang="en-US"/>
-          </a:p>
-        </p:txBody>
-      </p:sp>
-      <p:sp>
-        <p:nvSpPr>
-          <p:cNvPr id="5" name="Footer Placeholder 4"/>
-          <p:cNvSpPr>
-            <a:spLocks noGrp="1"/>
-          </p:cNvSpPr>
-          <p:nvPr>
-            <p:ph type="ftr" sz="quarter" idx="11"/>
-          </p:nvPr>
-        </p:nvSpPr>
-        <p:spPr/>
-        <p:txBody>
-          <a:bodyPr/>
-          <a:lstStyle/>
-          <a:p>
-            <a:endParaRPr lang="en-US"/>
-          </a:p>
-        </p:txBody>
-      </p:sp>
-      <p:sp>
-        <p:nvSpPr>
-          <p:cNvPr id="6" name="Slide Number Placeholder 5"/>
-          <p:cNvSpPr>
-            <a:spLocks noGrp="1"/>
-          </p:cNvSpPr>
-          <p:nvPr>
-            <p:ph type="sldNum" sz="quarter" idx="12"/>
-          </p:nvPr>
-        </p:nvSpPr>
-        <p:spPr/>
-        <p:txBody>
-          <a:bodyPr/>
-          <a:lstStyle/>
           <a:p>
             <a:fld id="{1B0E5B9E-6395-4C0E-94A1-85C0CEBC3BB6}" type="slidenum">
               <a:rPr lang="en-US" smtClean="0"/>
@@ -1105,15 +1502,29 @@
           </a:p>
         </p:txBody>
       </p:sp>
+      <p:sp>
+        <p:nvSpPr>
+          <p:cNvPr id="14" name="Footer Placeholder 13"/>
+          <p:cNvSpPr>
+            <a:spLocks noGrp="1"/>
+          </p:cNvSpPr>
+          <p:nvPr>
+            <p:ph type="ftr" sz="quarter" idx="12"/>
+          </p:nvPr>
+        </p:nvSpPr>
+        <p:spPr/>
+        <p:txBody>
+          <a:bodyPr/>
+          <a:lstStyle/>
+          <a:p>
+            <a:endParaRPr lang="en-US"/>
+          </a:p>
+        </p:txBody>
+      </p:sp>
     </p:spTree>
-    <p:extLst>
-      <p:ext uri="{BB962C8B-B14F-4D97-AF65-F5344CB8AC3E}">
-        <p14:creationId xmlns:p14="http://schemas.microsoft.com/office/powerpoint/2010/main" val="2451756298"/>
-      </p:ext>
-    </p:extLst>
   </p:cSld>
   <p:clrMapOvr>
-    <a:masterClrMapping/>
+    <a:overrideClrMapping bg1="lt1" tx1="dk1" bg2="lt2" tx2="dk2" accent1="accent1" accent2="accent2" accent3="accent3" accent4="accent4" accent5="accent5" accent6="accent6" hlink="hlink" folHlink="folHlink"/>
   </p:clrMapOvr>
 </p:sldLayout>
 </file>
@@ -1151,201 +1562,145 @@
           <a:lstStyle/>
           <a:p>
             <a:r>
-              <a:rPr lang="en-US" smtClean="0"/>
+              <a:rPr kumimoji="0" lang="en-US" smtClean="0"/>
               <a:t>Click to edit Master title style</a:t>
             </a:r>
-            <a:endParaRPr lang="en-US"/>
-          </a:p>
-        </p:txBody>
-      </p:sp>
-      <p:sp>
-        <p:nvSpPr>
-          <p:cNvPr id="3" name="Content Placeholder 2"/>
-          <p:cNvSpPr>
-            <a:spLocks noGrp="1"/>
-          </p:cNvSpPr>
-          <p:nvPr>
-            <p:ph sz="half" idx="1"/>
+            <a:endParaRPr kumimoji="0" lang="en-US"/>
+          </a:p>
+        </p:txBody>
+      </p:sp>
+      <p:sp>
+        <p:nvSpPr>
+          <p:cNvPr id="9" name="Content Placeholder 8"/>
+          <p:cNvSpPr>
+            <a:spLocks noGrp="1"/>
+          </p:cNvSpPr>
+          <p:nvPr>
+            <p:ph sz="quarter" idx="1"/>
           </p:nvPr>
         </p:nvSpPr>
         <p:spPr>
           <a:xfrm>
-            <a:off x="457200" y="1600200"/>
-            <a:ext cx="4038600" cy="4525963"/>
+            <a:off x="609600" y="1589567"/>
+            <a:ext cx="3886200" cy="4572000"/>
           </a:xfrm>
         </p:spPr>
         <p:txBody>
           <a:bodyPr/>
-          <a:lstStyle>
-            <a:lvl1pPr>
-              <a:defRPr sz="2800"/>
-            </a:lvl1pPr>
-            <a:lvl2pPr>
-              <a:defRPr sz="2400"/>
-            </a:lvl2pPr>
-            <a:lvl3pPr>
-              <a:defRPr sz="2000"/>
-            </a:lvl3pPr>
-            <a:lvl4pPr>
-              <a:defRPr sz="1800"/>
-            </a:lvl4pPr>
-            <a:lvl5pPr>
-              <a:defRPr sz="1800"/>
-            </a:lvl5pPr>
-            <a:lvl6pPr>
-              <a:defRPr sz="1800"/>
-            </a:lvl6pPr>
-            <a:lvl7pPr>
-              <a:defRPr sz="1800"/>
-            </a:lvl7pPr>
-            <a:lvl8pPr>
-              <a:defRPr sz="1800"/>
-            </a:lvl8pPr>
-            <a:lvl9pPr>
-              <a:defRPr sz="1800"/>
-            </a:lvl9pPr>
-          </a:lstStyle>
-          <a:p>
-            <a:pPr lvl="0"/>
+          <a:lstStyle/>
+          <a:p>
+            <a:pPr lvl="0" eaLnBrk="1" latinLnBrk="0" hangingPunct="1"/>
             <a:r>
               <a:rPr lang="en-US" smtClean="0"/>
               <a:t>Click to edit Master text styles</a:t>
             </a:r>
           </a:p>
           <a:p>
-            <a:pPr lvl="1"/>
+            <a:pPr lvl="1" eaLnBrk="1" latinLnBrk="0" hangingPunct="1"/>
             <a:r>
               <a:rPr lang="en-US" smtClean="0"/>
               <a:t>Second level</a:t>
             </a:r>
           </a:p>
           <a:p>
-            <a:pPr lvl="2"/>
+            <a:pPr lvl="2" eaLnBrk="1" latinLnBrk="0" hangingPunct="1"/>
             <a:r>
               <a:rPr lang="en-US" smtClean="0"/>
               <a:t>Third level</a:t>
             </a:r>
           </a:p>
           <a:p>
-            <a:pPr lvl="3"/>
+            <a:pPr lvl="3" eaLnBrk="1" latinLnBrk="0" hangingPunct="1"/>
             <a:r>
               <a:rPr lang="en-US" smtClean="0"/>
               <a:t>Fourth level</a:t>
             </a:r>
           </a:p>
           <a:p>
-            <a:pPr lvl="4"/>
+            <a:pPr lvl="4" eaLnBrk="1" latinLnBrk="0" hangingPunct="1"/>
             <a:r>
               <a:rPr lang="en-US" smtClean="0"/>
               <a:t>Fifth level</a:t>
             </a:r>
-            <a:endParaRPr lang="en-US"/>
-          </a:p>
-        </p:txBody>
-      </p:sp>
-      <p:sp>
-        <p:nvSpPr>
-          <p:cNvPr id="4" name="Content Placeholder 3"/>
-          <p:cNvSpPr>
-            <a:spLocks noGrp="1"/>
-          </p:cNvSpPr>
-          <p:nvPr>
-            <p:ph sz="half" idx="2"/>
+            <a:endParaRPr kumimoji="0" lang="en-US"/>
+          </a:p>
+        </p:txBody>
+      </p:sp>
+      <p:sp>
+        <p:nvSpPr>
+          <p:cNvPr id="11" name="Content Placeholder 10"/>
+          <p:cNvSpPr>
+            <a:spLocks noGrp="1"/>
+          </p:cNvSpPr>
+          <p:nvPr>
+            <p:ph sz="quarter" idx="2"/>
           </p:nvPr>
         </p:nvSpPr>
         <p:spPr>
           <a:xfrm>
-            <a:off x="4648200" y="1600200"/>
-            <a:ext cx="4038600" cy="4525963"/>
+            <a:off x="4844901" y="1589567"/>
+            <a:ext cx="3886200" cy="4572000"/>
           </a:xfrm>
         </p:spPr>
         <p:txBody>
           <a:bodyPr/>
-          <a:lstStyle>
-            <a:lvl1pPr>
-              <a:defRPr sz="2800"/>
-            </a:lvl1pPr>
-            <a:lvl2pPr>
-              <a:defRPr sz="2400"/>
-            </a:lvl2pPr>
-            <a:lvl3pPr>
-              <a:defRPr sz="2000"/>
-            </a:lvl3pPr>
-            <a:lvl4pPr>
-              <a:defRPr sz="1800"/>
-            </a:lvl4pPr>
-            <a:lvl5pPr>
-              <a:defRPr sz="1800"/>
-            </a:lvl5pPr>
-            <a:lvl6pPr>
-              <a:defRPr sz="1800"/>
-            </a:lvl6pPr>
-            <a:lvl7pPr>
-              <a:defRPr sz="1800"/>
-            </a:lvl7pPr>
-            <a:lvl8pPr>
-              <a:defRPr sz="1800"/>
-            </a:lvl8pPr>
-            <a:lvl9pPr>
-              <a:defRPr sz="1800"/>
-            </a:lvl9pPr>
-          </a:lstStyle>
-          <a:p>
-            <a:pPr lvl="0"/>
+          <a:lstStyle/>
+          <a:p>
+            <a:pPr lvl="0" eaLnBrk="1" latinLnBrk="0" hangingPunct="1"/>
             <a:r>
               <a:rPr lang="en-US" smtClean="0"/>
               <a:t>Click to edit Master text styles</a:t>
             </a:r>
           </a:p>
           <a:p>
-            <a:pPr lvl="1"/>
+            <a:pPr lvl="1" eaLnBrk="1" latinLnBrk="0" hangingPunct="1"/>
             <a:r>
               <a:rPr lang="en-US" smtClean="0"/>
               <a:t>Second level</a:t>
             </a:r>
           </a:p>
           <a:p>
-            <a:pPr lvl="2"/>
+            <a:pPr lvl="2" eaLnBrk="1" latinLnBrk="0" hangingPunct="1"/>
             <a:r>
               <a:rPr lang="en-US" smtClean="0"/>
               <a:t>Third level</a:t>
             </a:r>
           </a:p>
           <a:p>
-            <a:pPr lvl="3"/>
+            <a:pPr lvl="3" eaLnBrk="1" latinLnBrk="0" hangingPunct="1"/>
             <a:r>
               <a:rPr lang="en-US" smtClean="0"/>
               <a:t>Fourth level</a:t>
             </a:r>
           </a:p>
           <a:p>
-            <a:pPr lvl="4"/>
+            <a:pPr lvl="4" eaLnBrk="1" latinLnBrk="0" hangingPunct="1"/>
             <a:r>
               <a:rPr lang="en-US" smtClean="0"/>
               <a:t>Fifth level</a:t>
             </a:r>
-            <a:endParaRPr lang="en-US"/>
-          </a:p>
-        </p:txBody>
-      </p:sp>
-      <p:sp>
-        <p:nvSpPr>
-          <p:cNvPr id="5" name="Date Placeholder 4"/>
-          <p:cNvSpPr>
-            <a:spLocks noGrp="1"/>
-          </p:cNvSpPr>
-          <p:nvPr>
-            <p:ph type="dt" sz="half" idx="10"/>
+            <a:endParaRPr kumimoji="0" lang="en-US"/>
+          </a:p>
+        </p:txBody>
+      </p:sp>
+      <p:sp>
+        <p:nvSpPr>
+          <p:cNvPr id="8" name="Date Placeholder 7"/>
+          <p:cNvSpPr>
+            <a:spLocks noGrp="1"/>
+          </p:cNvSpPr>
+          <p:nvPr>
+            <p:ph type="dt" sz="half" idx="15"/>
           </p:nvPr>
         </p:nvSpPr>
         <p:spPr/>
         <p:txBody>
-          <a:bodyPr/>
+          <a:bodyPr rtlCol="0"/>
           <a:lstStyle/>
           <a:p>
             <a:fld id="{8AB41A34-2EE5-44C4-9BA3-2FC8AB148CCF}" type="datetimeFigureOut">
               <a:rPr lang="en-US" smtClean="0"/>
-              <a:t>4/23/2013</a:t>
+              <a:t>4/26/2013</a:t>
             </a:fld>
             <a:endParaRPr lang="en-US"/>
           </a:p>
@@ -1353,36 +1708,17 @@
       </p:sp>
       <p:sp>
         <p:nvSpPr>
-          <p:cNvPr id="6" name="Footer Placeholder 5"/>
-          <p:cNvSpPr>
-            <a:spLocks noGrp="1"/>
-          </p:cNvSpPr>
-          <p:nvPr>
-            <p:ph type="ftr" sz="quarter" idx="11"/>
+          <p:cNvPr id="10" name="Slide Number Placeholder 9"/>
+          <p:cNvSpPr>
+            <a:spLocks noGrp="1"/>
+          </p:cNvSpPr>
+          <p:nvPr>
+            <p:ph type="sldNum" sz="quarter" idx="16"/>
           </p:nvPr>
         </p:nvSpPr>
         <p:spPr/>
         <p:txBody>
-          <a:bodyPr/>
-          <a:lstStyle/>
-          <a:p>
-            <a:endParaRPr lang="en-US"/>
-          </a:p>
-        </p:txBody>
-      </p:sp>
-      <p:sp>
-        <p:nvSpPr>
-          <p:cNvPr id="7" name="Slide Number Placeholder 6"/>
-          <p:cNvSpPr>
-            <a:spLocks noGrp="1"/>
-          </p:cNvSpPr>
-          <p:nvPr>
-            <p:ph type="sldNum" sz="quarter" idx="12"/>
-          </p:nvPr>
-        </p:nvSpPr>
-        <p:spPr/>
-        <p:txBody>
-          <a:bodyPr/>
+          <a:bodyPr rtlCol="0"/>
           <a:lstStyle/>
           <a:p>
             <a:fld id="{1B0E5B9E-6395-4C0E-94A1-85C0CEBC3BB6}" type="slidenum">
@@ -1393,12 +1729,26 @@
           </a:p>
         </p:txBody>
       </p:sp>
+      <p:sp>
+        <p:nvSpPr>
+          <p:cNvPr id="12" name="Footer Placeholder 11"/>
+          <p:cNvSpPr>
+            <a:spLocks noGrp="1"/>
+          </p:cNvSpPr>
+          <p:nvPr>
+            <p:ph type="ftr" sz="quarter" idx="17"/>
+          </p:nvPr>
+        </p:nvSpPr>
+        <p:spPr/>
+        <p:txBody>
+          <a:bodyPr rtlCol="0"/>
+          <a:lstStyle/>
+          <a:p>
+            <a:endParaRPr lang="en-US"/>
+          </a:p>
+        </p:txBody>
+      </p:sp>
     </p:spTree>
-    <p:extLst>
-      <p:ext uri="{BB962C8B-B14F-4D97-AF65-F5344CB8AC3E}">
-        <p14:creationId xmlns:p14="http://schemas.microsoft.com/office/powerpoint/2010/main" val="1605968623"/>
-      </p:ext>
-    </p:extLst>
   </p:cSld>
   <p:clrMapOvr>
     <a:masterClrMapping/>
@@ -1433,9 +1783,14 @@
             <p:ph type="title"/>
           </p:nvPr>
         </p:nvSpPr>
-        <p:spPr/>
-        <p:txBody>
-          <a:bodyPr/>
+        <p:spPr>
+          <a:xfrm>
+            <a:off x="533400" y="273050"/>
+            <a:ext cx="8153400" cy="869950"/>
+          </a:xfrm>
+        </p:spPr>
+        <p:txBody>
+          <a:bodyPr anchor="ctr"/>
           <a:lstStyle>
             <a:lvl1pPr>
               <a:defRPr/>
@@ -1443,331 +1798,145 @@
           </a:lstStyle>
           <a:p>
             <a:r>
-              <a:rPr lang="en-US" smtClean="0"/>
+              <a:rPr kumimoji="0" lang="en-US" smtClean="0"/>
               <a:t>Click to edit Master title style</a:t>
             </a:r>
-            <a:endParaRPr lang="en-US"/>
-          </a:p>
-        </p:txBody>
-      </p:sp>
-      <p:sp>
-        <p:nvSpPr>
-          <p:cNvPr id="3" name="Text Placeholder 2"/>
-          <p:cNvSpPr>
-            <a:spLocks noGrp="1"/>
-          </p:cNvSpPr>
-          <p:nvPr>
-            <p:ph type="body" idx="1"/>
+            <a:endParaRPr kumimoji="0" lang="en-US"/>
+          </a:p>
+        </p:txBody>
+      </p:sp>
+      <p:sp>
+        <p:nvSpPr>
+          <p:cNvPr id="11" name="Content Placeholder 10"/>
+          <p:cNvSpPr>
+            <a:spLocks noGrp="1"/>
+          </p:cNvSpPr>
+          <p:nvPr>
+            <p:ph sz="quarter" idx="2"/>
           </p:nvPr>
         </p:nvSpPr>
         <p:spPr>
           <a:xfrm>
-            <a:off x="457200" y="1535113"/>
-            <a:ext cx="4040188" cy="639762"/>
-          </a:xfrm>
-        </p:spPr>
-        <p:txBody>
-          <a:bodyPr anchor="b"/>
-          <a:lstStyle>
-            <a:lvl1pPr marL="0" indent="0">
-              <a:buNone/>
-              <a:defRPr sz="2400" b="1"/>
-            </a:lvl1pPr>
-            <a:lvl2pPr marL="457200" indent="0">
-              <a:buNone/>
-              <a:defRPr sz="2000" b="1"/>
-            </a:lvl2pPr>
-            <a:lvl3pPr marL="914400" indent="0">
-              <a:buNone/>
-              <a:defRPr sz="1800" b="1"/>
-            </a:lvl3pPr>
-            <a:lvl4pPr marL="1371600" indent="0">
-              <a:buNone/>
-              <a:defRPr sz="1600" b="1"/>
-            </a:lvl4pPr>
-            <a:lvl5pPr marL="1828800" indent="0">
-              <a:buNone/>
-              <a:defRPr sz="1600" b="1"/>
-            </a:lvl5pPr>
-            <a:lvl6pPr marL="2286000" indent="0">
-              <a:buNone/>
-              <a:defRPr sz="1600" b="1"/>
-            </a:lvl6pPr>
-            <a:lvl7pPr marL="2743200" indent="0">
-              <a:buNone/>
-              <a:defRPr sz="1600" b="1"/>
-            </a:lvl7pPr>
-            <a:lvl8pPr marL="3200400" indent="0">
-              <a:buNone/>
-              <a:defRPr sz="1600" b="1"/>
-            </a:lvl8pPr>
-            <a:lvl9pPr marL="3657600" indent="0">
-              <a:buNone/>
-              <a:defRPr sz="1600" b="1"/>
-            </a:lvl9pPr>
-          </a:lstStyle>
-          <a:p>
-            <a:pPr lvl="0"/>
+            <a:off x="609600" y="2438400"/>
+            <a:ext cx="3886200" cy="3581400"/>
+          </a:xfrm>
+        </p:spPr>
+        <p:txBody>
+          <a:bodyPr/>
+          <a:lstStyle/>
+          <a:p>
+            <a:pPr lvl="0" eaLnBrk="1" latinLnBrk="0" hangingPunct="1"/>
             <a:r>
               <a:rPr lang="en-US" smtClean="0"/>
               <a:t>Click to edit Master text styles</a:t>
             </a:r>
           </a:p>
-        </p:txBody>
-      </p:sp>
-      <p:sp>
-        <p:nvSpPr>
-          <p:cNvPr id="4" name="Content Placeholder 3"/>
-          <p:cNvSpPr>
-            <a:spLocks noGrp="1"/>
-          </p:cNvSpPr>
-          <p:nvPr>
-            <p:ph sz="half" idx="2"/>
+          <a:p>
+            <a:pPr lvl="1" eaLnBrk="1" latinLnBrk="0" hangingPunct="1"/>
+            <a:r>
+              <a:rPr lang="en-US" smtClean="0"/>
+              <a:t>Second level</a:t>
+            </a:r>
+          </a:p>
+          <a:p>
+            <a:pPr lvl="2" eaLnBrk="1" latinLnBrk="0" hangingPunct="1"/>
+            <a:r>
+              <a:rPr lang="en-US" smtClean="0"/>
+              <a:t>Third level</a:t>
+            </a:r>
+          </a:p>
+          <a:p>
+            <a:pPr lvl="3" eaLnBrk="1" latinLnBrk="0" hangingPunct="1"/>
+            <a:r>
+              <a:rPr lang="en-US" smtClean="0"/>
+              <a:t>Fourth level</a:t>
+            </a:r>
+          </a:p>
+          <a:p>
+            <a:pPr lvl="4" eaLnBrk="1" latinLnBrk="0" hangingPunct="1"/>
+            <a:r>
+              <a:rPr lang="en-US" smtClean="0"/>
+              <a:t>Fifth level</a:t>
+            </a:r>
+            <a:endParaRPr kumimoji="0" lang="en-US"/>
+          </a:p>
+        </p:txBody>
+      </p:sp>
+      <p:sp>
+        <p:nvSpPr>
+          <p:cNvPr id="13" name="Content Placeholder 12"/>
+          <p:cNvSpPr>
+            <a:spLocks noGrp="1"/>
+          </p:cNvSpPr>
+          <p:nvPr>
+            <p:ph sz="quarter" idx="4"/>
           </p:nvPr>
         </p:nvSpPr>
         <p:spPr>
           <a:xfrm>
-            <a:off x="457200" y="2174875"/>
-            <a:ext cx="4040188" cy="3951288"/>
+            <a:off x="4800600" y="2438400"/>
+            <a:ext cx="3886200" cy="3581400"/>
           </a:xfrm>
         </p:spPr>
         <p:txBody>
           <a:bodyPr/>
-          <a:lstStyle>
-            <a:lvl1pPr>
-              <a:defRPr sz="2400"/>
-            </a:lvl1pPr>
-            <a:lvl2pPr>
-              <a:defRPr sz="2000"/>
-            </a:lvl2pPr>
-            <a:lvl3pPr>
-              <a:defRPr sz="1800"/>
-            </a:lvl3pPr>
-            <a:lvl4pPr>
-              <a:defRPr sz="1600"/>
-            </a:lvl4pPr>
-            <a:lvl5pPr>
-              <a:defRPr sz="1600"/>
-            </a:lvl5pPr>
-            <a:lvl6pPr>
-              <a:defRPr sz="1600"/>
-            </a:lvl6pPr>
-            <a:lvl7pPr>
-              <a:defRPr sz="1600"/>
-            </a:lvl7pPr>
-            <a:lvl8pPr>
-              <a:defRPr sz="1600"/>
-            </a:lvl8pPr>
-            <a:lvl9pPr>
-              <a:defRPr sz="1600"/>
-            </a:lvl9pPr>
-          </a:lstStyle>
-          <a:p>
-            <a:pPr lvl="0"/>
+          <a:lstStyle/>
+          <a:p>
+            <a:pPr lvl="0" eaLnBrk="1" latinLnBrk="0" hangingPunct="1"/>
             <a:r>
               <a:rPr lang="en-US" smtClean="0"/>
               <a:t>Click to edit Master text styles</a:t>
             </a:r>
           </a:p>
           <a:p>
-            <a:pPr lvl="1"/>
+            <a:pPr lvl="1" eaLnBrk="1" latinLnBrk="0" hangingPunct="1"/>
             <a:r>
               <a:rPr lang="en-US" smtClean="0"/>
               <a:t>Second level</a:t>
             </a:r>
           </a:p>
           <a:p>
-            <a:pPr lvl="2"/>
+            <a:pPr lvl="2" eaLnBrk="1" latinLnBrk="0" hangingPunct="1"/>
             <a:r>
               <a:rPr lang="en-US" smtClean="0"/>
               <a:t>Third level</a:t>
             </a:r>
           </a:p>
           <a:p>
-            <a:pPr lvl="3"/>
+            <a:pPr lvl="3" eaLnBrk="1" latinLnBrk="0" hangingPunct="1"/>
             <a:r>
               <a:rPr lang="en-US" smtClean="0"/>
               <a:t>Fourth level</a:t>
             </a:r>
           </a:p>
           <a:p>
-            <a:pPr lvl="4"/>
+            <a:pPr lvl="4" eaLnBrk="1" latinLnBrk="0" hangingPunct="1"/>
             <a:r>
               <a:rPr lang="en-US" smtClean="0"/>
               <a:t>Fifth level</a:t>
             </a:r>
-            <a:endParaRPr lang="en-US"/>
-          </a:p>
-        </p:txBody>
-      </p:sp>
-      <p:sp>
-        <p:nvSpPr>
-          <p:cNvPr id="5" name="Text Placeholder 4"/>
-          <p:cNvSpPr>
-            <a:spLocks noGrp="1"/>
-          </p:cNvSpPr>
-          <p:nvPr>
-            <p:ph type="body" sz="quarter" idx="3"/>
-          </p:nvPr>
-        </p:nvSpPr>
-        <p:spPr>
-          <a:xfrm>
-            <a:off x="4645025" y="1535113"/>
-            <a:ext cx="4041775" cy="639762"/>
-          </a:xfrm>
-        </p:spPr>
-        <p:txBody>
-          <a:bodyPr anchor="b"/>
-          <a:lstStyle>
-            <a:lvl1pPr marL="0" indent="0">
-              <a:buNone/>
-              <a:defRPr sz="2400" b="1"/>
-            </a:lvl1pPr>
-            <a:lvl2pPr marL="457200" indent="0">
-              <a:buNone/>
-              <a:defRPr sz="2000" b="1"/>
-            </a:lvl2pPr>
-            <a:lvl3pPr marL="914400" indent="0">
-              <a:buNone/>
-              <a:defRPr sz="1800" b="1"/>
-            </a:lvl3pPr>
-            <a:lvl4pPr marL="1371600" indent="0">
-              <a:buNone/>
-              <a:defRPr sz="1600" b="1"/>
-            </a:lvl4pPr>
-            <a:lvl5pPr marL="1828800" indent="0">
-              <a:buNone/>
-              <a:defRPr sz="1600" b="1"/>
-            </a:lvl5pPr>
-            <a:lvl6pPr marL="2286000" indent="0">
-              <a:buNone/>
-              <a:defRPr sz="1600" b="1"/>
-            </a:lvl6pPr>
-            <a:lvl7pPr marL="2743200" indent="0">
-              <a:buNone/>
-              <a:defRPr sz="1600" b="1"/>
-            </a:lvl7pPr>
-            <a:lvl8pPr marL="3200400" indent="0">
-              <a:buNone/>
-              <a:defRPr sz="1600" b="1"/>
-            </a:lvl8pPr>
-            <a:lvl9pPr marL="3657600" indent="0">
-              <a:buNone/>
-              <a:defRPr sz="1600" b="1"/>
-            </a:lvl9pPr>
-          </a:lstStyle>
-          <a:p>
-            <a:pPr lvl="0"/>
-            <a:r>
-              <a:rPr lang="en-US" smtClean="0"/>
-              <a:t>Click to edit Master text styles</a:t>
-            </a:r>
-          </a:p>
-        </p:txBody>
-      </p:sp>
-      <p:sp>
-        <p:nvSpPr>
-          <p:cNvPr id="6" name="Content Placeholder 5"/>
-          <p:cNvSpPr>
-            <a:spLocks noGrp="1"/>
-          </p:cNvSpPr>
-          <p:nvPr>
-            <p:ph sz="quarter" idx="4"/>
-          </p:nvPr>
-        </p:nvSpPr>
-        <p:spPr>
-          <a:xfrm>
-            <a:off x="4645025" y="2174875"/>
-            <a:ext cx="4041775" cy="3951288"/>
-          </a:xfrm>
-        </p:spPr>
-        <p:txBody>
-          <a:bodyPr/>
-          <a:lstStyle>
-            <a:lvl1pPr>
-              <a:defRPr sz="2400"/>
-            </a:lvl1pPr>
-            <a:lvl2pPr>
-              <a:defRPr sz="2000"/>
-            </a:lvl2pPr>
-            <a:lvl3pPr>
-              <a:defRPr sz="1800"/>
-            </a:lvl3pPr>
-            <a:lvl4pPr>
-              <a:defRPr sz="1600"/>
-            </a:lvl4pPr>
-            <a:lvl5pPr>
-              <a:defRPr sz="1600"/>
-            </a:lvl5pPr>
-            <a:lvl6pPr>
-              <a:defRPr sz="1600"/>
-            </a:lvl6pPr>
-            <a:lvl7pPr>
-              <a:defRPr sz="1600"/>
-            </a:lvl7pPr>
-            <a:lvl8pPr>
-              <a:defRPr sz="1600"/>
-            </a:lvl8pPr>
-            <a:lvl9pPr>
-              <a:defRPr sz="1600"/>
-            </a:lvl9pPr>
-          </a:lstStyle>
-          <a:p>
-            <a:pPr lvl="0"/>
-            <a:r>
-              <a:rPr lang="en-US" smtClean="0"/>
-              <a:t>Click to edit Master text styles</a:t>
-            </a:r>
-          </a:p>
-          <a:p>
-            <a:pPr lvl="1"/>
-            <a:r>
-              <a:rPr lang="en-US" smtClean="0"/>
-              <a:t>Second level</a:t>
-            </a:r>
-          </a:p>
-          <a:p>
-            <a:pPr lvl="2"/>
-            <a:r>
-              <a:rPr lang="en-US" smtClean="0"/>
-              <a:t>Third level</a:t>
-            </a:r>
-          </a:p>
-          <a:p>
-            <a:pPr lvl="3"/>
-            <a:r>
-              <a:rPr lang="en-US" smtClean="0"/>
-              <a:t>Fourth level</a:t>
-            </a:r>
-          </a:p>
-          <a:p>
-            <a:pPr lvl="4"/>
-            <a:r>
-              <a:rPr lang="en-US" smtClean="0"/>
-              <a:t>Fifth level</a:t>
-            </a:r>
-            <a:endParaRPr lang="en-US"/>
-          </a:p>
-        </p:txBody>
-      </p:sp>
-      <p:sp>
-        <p:nvSpPr>
-          <p:cNvPr id="7" name="Date Placeholder 6"/>
-          <p:cNvSpPr>
-            <a:spLocks noGrp="1"/>
-          </p:cNvSpPr>
-          <p:nvPr>
-            <p:ph type="dt" sz="half" idx="10"/>
+            <a:endParaRPr kumimoji="0" lang="en-US"/>
+          </a:p>
+        </p:txBody>
+      </p:sp>
+      <p:sp>
+        <p:nvSpPr>
+          <p:cNvPr id="10" name="Date Placeholder 9"/>
+          <p:cNvSpPr>
+            <a:spLocks noGrp="1"/>
+          </p:cNvSpPr>
+          <p:nvPr>
+            <p:ph type="dt" sz="half" idx="15"/>
           </p:nvPr>
         </p:nvSpPr>
         <p:spPr/>
         <p:txBody>
-          <a:bodyPr/>
+          <a:bodyPr rtlCol="0"/>
           <a:lstStyle/>
           <a:p>
             <a:fld id="{8AB41A34-2EE5-44C4-9BA3-2FC8AB148CCF}" type="datetimeFigureOut">
               <a:rPr lang="en-US" smtClean="0"/>
-              <a:t>4/23/2013</a:t>
+              <a:t>4/26/2013</a:t>
             </a:fld>
             <a:endParaRPr lang="en-US"/>
           </a:p>
@@ -1775,36 +1944,17 @@
       </p:sp>
       <p:sp>
         <p:nvSpPr>
-          <p:cNvPr id="8" name="Footer Placeholder 7"/>
-          <p:cNvSpPr>
-            <a:spLocks noGrp="1"/>
-          </p:cNvSpPr>
-          <p:nvPr>
-            <p:ph type="ftr" sz="quarter" idx="11"/>
+          <p:cNvPr id="12" name="Slide Number Placeholder 11"/>
+          <p:cNvSpPr>
+            <a:spLocks noGrp="1"/>
+          </p:cNvSpPr>
+          <p:nvPr>
+            <p:ph type="sldNum" sz="quarter" idx="16"/>
           </p:nvPr>
         </p:nvSpPr>
         <p:spPr/>
         <p:txBody>
-          <a:bodyPr/>
-          <a:lstStyle/>
-          <a:p>
-            <a:endParaRPr lang="en-US"/>
-          </a:p>
-        </p:txBody>
-      </p:sp>
-      <p:sp>
-        <p:nvSpPr>
-          <p:cNvPr id="9" name="Slide Number Placeholder 8"/>
-          <p:cNvSpPr>
-            <a:spLocks noGrp="1"/>
-          </p:cNvSpPr>
-          <p:nvPr>
-            <p:ph type="sldNum" sz="quarter" idx="12"/>
-          </p:nvPr>
-        </p:nvSpPr>
-        <p:spPr/>
-        <p:txBody>
-          <a:bodyPr/>
+          <a:bodyPr rtlCol="0"/>
           <a:lstStyle/>
           <a:p>
             <a:fld id="{1B0E5B9E-6395-4C0E-94A1-85C0CEBC3BB6}" type="slidenum">
@@ -1815,12 +1965,108 @@
           </a:p>
         </p:txBody>
       </p:sp>
+      <p:sp>
+        <p:nvSpPr>
+          <p:cNvPr id="14" name="Footer Placeholder 13"/>
+          <p:cNvSpPr>
+            <a:spLocks noGrp="1"/>
+          </p:cNvSpPr>
+          <p:nvPr>
+            <p:ph type="ftr" sz="quarter" idx="17"/>
+          </p:nvPr>
+        </p:nvSpPr>
+        <p:spPr/>
+        <p:txBody>
+          <a:bodyPr rtlCol="0"/>
+          <a:lstStyle/>
+          <a:p>
+            <a:endParaRPr lang="en-US"/>
+          </a:p>
+        </p:txBody>
+      </p:sp>
+      <p:sp>
+        <p:nvSpPr>
+          <p:cNvPr id="16" name="Text Placeholder 15"/>
+          <p:cNvSpPr>
+            <a:spLocks noGrp="1"/>
+          </p:cNvSpPr>
+          <p:nvPr>
+            <p:ph type="body" sz="quarter" idx="1"/>
+          </p:nvPr>
+        </p:nvSpPr>
+        <p:spPr>
+          <a:xfrm>
+            <a:off x="609600" y="1752600"/>
+            <a:ext cx="3886200" cy="640080"/>
+          </a:xfrm>
+          <a:solidFill>
+            <a:schemeClr val="accent2"/>
+          </a:solidFill>
+        </p:spPr>
+        <p:txBody>
+          <a:bodyPr rtlCol="0" anchor="ctr"/>
+          <a:lstStyle>
+            <a:lvl1pPr marL="0" indent="0">
+              <a:buFontTx/>
+              <a:buNone/>
+              <a:defRPr sz="2000" b="1">
+                <a:solidFill>
+                  <a:srgbClr val="FFFFFF"/>
+                </a:solidFill>
+              </a:defRPr>
+            </a:lvl1pPr>
+          </a:lstStyle>
+          <a:p>
+            <a:pPr lvl="0" eaLnBrk="1" latinLnBrk="0" hangingPunct="1"/>
+            <a:r>
+              <a:rPr kumimoji="0" lang="en-US" smtClean="0"/>
+              <a:t>Click to edit Master text styles</a:t>
+            </a:r>
+          </a:p>
+        </p:txBody>
+      </p:sp>
+      <p:sp>
+        <p:nvSpPr>
+          <p:cNvPr id="15" name="Text Placeholder 14"/>
+          <p:cNvSpPr>
+            <a:spLocks noGrp="1"/>
+          </p:cNvSpPr>
+          <p:nvPr>
+            <p:ph type="body" sz="quarter" idx="3"/>
+          </p:nvPr>
+        </p:nvSpPr>
+        <p:spPr>
+          <a:xfrm>
+            <a:off x="4800600" y="1752600"/>
+            <a:ext cx="3886200" cy="640080"/>
+          </a:xfrm>
+          <a:solidFill>
+            <a:schemeClr val="accent4"/>
+          </a:solidFill>
+        </p:spPr>
+        <p:txBody>
+          <a:bodyPr rtlCol="0" anchor="ctr"/>
+          <a:lstStyle>
+            <a:lvl1pPr marL="0" indent="0">
+              <a:buFontTx/>
+              <a:buNone/>
+              <a:defRPr sz="2000" b="1">
+                <a:solidFill>
+                  <a:srgbClr val="FFFFFF"/>
+                </a:solidFill>
+              </a:defRPr>
+            </a:lvl1pPr>
+          </a:lstStyle>
+          <a:p>
+            <a:pPr lvl="0" eaLnBrk="1" latinLnBrk="0" hangingPunct="1"/>
+            <a:r>
+              <a:rPr kumimoji="0" lang="en-US" smtClean="0"/>
+              <a:t>Click to edit Master text styles</a:t>
+            </a:r>
+          </a:p>
+        </p:txBody>
+      </p:sp>
     </p:spTree>
-    <p:extLst>
-      <p:ext uri="{BB962C8B-B14F-4D97-AF65-F5344CB8AC3E}">
-        <p14:creationId xmlns:p14="http://schemas.microsoft.com/office/powerpoint/2010/main" val="1277245023"/>
-      </p:ext>
-    </p:extLst>
   </p:cSld>
   <p:clrMapOvr>
     <a:masterClrMapping/>
@@ -1861,10 +2107,10 @@
           <a:lstStyle/>
           <a:p>
             <a:r>
-              <a:rPr lang="en-US" smtClean="0"/>
+              <a:rPr kumimoji="0" lang="en-US" smtClean="0"/>
               <a:t>Click to edit Master title style</a:t>
             </a:r>
-            <a:endParaRPr lang="en-US"/>
+            <a:endParaRPr kumimoji="0" lang="en-US"/>
           </a:p>
         </p:txBody>
       </p:sp>
@@ -1885,7 +2131,7 @@
           <a:p>
             <a:fld id="{8AB41A34-2EE5-44C4-9BA3-2FC8AB148CCF}" type="datetimeFigureOut">
               <a:rPr lang="en-US" smtClean="0"/>
-              <a:t>4/23/2013</a:t>
+              <a:t>4/26/2013</a:t>
             </a:fld>
             <a:endParaRPr lang="en-US"/>
           </a:p>
@@ -1923,7 +2169,15 @@
         <p:spPr/>
         <p:txBody>
           <a:bodyPr/>
-          <a:lstStyle/>
+          <a:lstStyle>
+            <a:lvl1pPr>
+              <a:defRPr>
+                <a:solidFill>
+                  <a:srgbClr val="FFFFFF"/>
+                </a:solidFill>
+              </a:defRPr>
+            </a:lvl1pPr>
+          </a:lstStyle>
           <a:p>
             <a:fld id="{1B0E5B9E-6395-4C0E-94A1-85C0CEBC3BB6}" type="slidenum">
               <a:rPr lang="en-US" smtClean="0"/>
@@ -1934,11 +2188,6 @@
         </p:txBody>
       </p:sp>
     </p:spTree>
-    <p:extLst>
-      <p:ext uri="{BB962C8B-B14F-4D97-AF65-F5344CB8AC3E}">
-        <p14:creationId xmlns:p14="http://schemas.microsoft.com/office/powerpoint/2010/main" val="1200562357"/>
-      </p:ext>
-    </p:extLst>
   </p:cSld>
   <p:clrMapOvr>
     <a:masterClrMapping/>
@@ -1947,7 +2196,7 @@
 </file>
 
 <file path=ppt/slideLayouts/slideLayout7.xml><?xml version="1.0" encoding="utf-8"?>
-<p:sldLayout xmlns:a="http://schemas.openxmlformats.org/drawingml/2006/main" xmlns:r="http://schemas.openxmlformats.org/officeDocument/2006/relationships" xmlns:p="http://schemas.openxmlformats.org/presentationml/2006/main" type="blank" preserve="1">
+<p:sldLayout xmlns:a="http://schemas.openxmlformats.org/drawingml/2006/main" xmlns:r="http://schemas.openxmlformats.org/officeDocument/2006/relationships" xmlns:p="http://schemas.openxmlformats.org/presentationml/2006/main" showMasterSp="0" type="blank" preserve="1">
   <p:cSld name="Blank">
     <p:spTree>
       <p:nvGrpSpPr>
@@ -1980,7 +2229,7 @@
           <a:p>
             <a:fld id="{8AB41A34-2EE5-44C4-9BA3-2FC8AB148CCF}" type="datetimeFigureOut">
               <a:rPr lang="en-US" smtClean="0"/>
-              <a:t>4/23/2013</a:t>
+              <a:t>4/26/2013</a:t>
             </a:fld>
             <a:endParaRPr lang="en-US"/>
           </a:p>
@@ -2015,10 +2264,23 @@
             <p:ph type="sldNum" sz="quarter" idx="12"/>
           </p:nvPr>
         </p:nvSpPr>
-        <p:spPr/>
+        <p:spPr>
+          <a:xfrm>
+            <a:off x="0" y="6248400"/>
+            <a:ext cx="533400" cy="381000"/>
+          </a:xfrm>
+        </p:spPr>
         <p:txBody>
           <a:bodyPr/>
-          <a:lstStyle/>
+          <a:lstStyle>
+            <a:lvl1pPr>
+              <a:defRPr>
+                <a:solidFill>
+                  <a:schemeClr val="tx2"/>
+                </a:solidFill>
+              </a:defRPr>
+            </a:lvl1pPr>
+          </a:lstStyle>
           <a:p>
             <a:fld id="{1B0E5B9E-6395-4C0E-94A1-85C0CEBC3BB6}" type="slidenum">
               <a:rPr lang="en-US" smtClean="0"/>
@@ -2029,11 +2291,6 @@
         </p:txBody>
       </p:sp>
     </p:spTree>
-    <p:extLst>
-      <p:ext uri="{BB962C8B-B14F-4D97-AF65-F5344CB8AC3E}">
-        <p14:creationId xmlns:p14="http://schemas.microsoft.com/office/powerpoint/2010/main" val="1878755757"/>
-      </p:ext>
-    </p:extLst>
   </p:cSld>
   <p:clrMapOvr>
     <a:masterClrMapping/>
@@ -2070,171 +2327,169 @@
         </p:nvSpPr>
         <p:spPr>
           <a:xfrm>
-            <a:off x="457200" y="273050"/>
-            <a:ext cx="3008313" cy="1162050"/>
-          </a:xfrm>
-        </p:spPr>
-        <p:txBody>
-          <a:bodyPr anchor="b"/>
+            <a:off x="609600" y="273050"/>
+            <a:ext cx="8077200" cy="869950"/>
+          </a:xfrm>
+        </p:spPr>
+        <p:txBody>
+          <a:bodyPr anchor="ctr"/>
           <a:lstStyle>
             <a:lvl1pPr algn="l">
-              <a:defRPr sz="2000" b="1"/>
+              <a:buNone/>
+              <a:defRPr sz="4400" b="0"/>
             </a:lvl1pPr>
           </a:lstStyle>
           <a:p>
             <a:r>
-              <a:rPr lang="en-US" smtClean="0"/>
+              <a:rPr kumimoji="0" lang="en-US" smtClean="0"/>
               <a:t>Click to edit Master title style</a:t>
             </a:r>
+            <a:endParaRPr kumimoji="0" lang="en-US"/>
+          </a:p>
+        </p:txBody>
+      </p:sp>
+      <p:sp>
+        <p:nvSpPr>
+          <p:cNvPr id="5" name="Date Placeholder 4"/>
+          <p:cNvSpPr>
+            <a:spLocks noGrp="1"/>
+          </p:cNvSpPr>
+          <p:nvPr>
+            <p:ph type="dt" sz="half" idx="10"/>
+          </p:nvPr>
+        </p:nvSpPr>
+        <p:spPr/>
+        <p:txBody>
+          <a:bodyPr/>
+          <a:lstStyle/>
+          <a:p>
+            <a:fld id="{8AB41A34-2EE5-44C4-9BA3-2FC8AB148CCF}" type="datetimeFigureOut">
+              <a:rPr lang="en-US" smtClean="0"/>
+              <a:t>4/26/2013</a:t>
+            </a:fld>
             <a:endParaRPr lang="en-US"/>
           </a:p>
         </p:txBody>
       </p:sp>
       <p:sp>
         <p:nvSpPr>
-          <p:cNvPr id="3" name="Content Placeholder 2"/>
-          <p:cNvSpPr>
-            <a:spLocks noGrp="1"/>
-          </p:cNvSpPr>
-          <p:nvPr>
-            <p:ph idx="1"/>
-          </p:nvPr>
-        </p:nvSpPr>
-        <p:spPr>
-          <a:xfrm>
-            <a:off x="3575050" y="273050"/>
-            <a:ext cx="5111750" cy="5853113"/>
-          </a:xfrm>
-        </p:spPr>
+          <p:cNvPr id="6" name="Footer Placeholder 5"/>
+          <p:cNvSpPr>
+            <a:spLocks noGrp="1"/>
+          </p:cNvSpPr>
+          <p:nvPr>
+            <p:ph type="ftr" sz="quarter" idx="11"/>
+          </p:nvPr>
+        </p:nvSpPr>
+        <p:spPr/>
+        <p:txBody>
+          <a:bodyPr/>
+          <a:lstStyle/>
+          <a:p>
+            <a:endParaRPr lang="en-US"/>
+          </a:p>
+        </p:txBody>
+      </p:sp>
+      <p:sp>
+        <p:nvSpPr>
+          <p:cNvPr id="7" name="Slide Number Placeholder 6"/>
+          <p:cNvSpPr>
+            <a:spLocks noGrp="1"/>
+          </p:cNvSpPr>
+          <p:nvPr>
+            <p:ph type="sldNum" sz="quarter" idx="12"/>
+          </p:nvPr>
+        </p:nvSpPr>
+        <p:spPr/>
         <p:txBody>
           <a:bodyPr/>
           <a:lstStyle>
             <a:lvl1pPr>
-              <a:defRPr sz="3200"/>
+              <a:defRPr>
+                <a:solidFill>
+                  <a:srgbClr val="FFFFFF"/>
+                </a:solidFill>
+              </a:defRPr>
+            </a:lvl1pPr>
+          </a:lstStyle>
+          <a:p>
+            <a:fld id="{1B0E5B9E-6395-4C0E-94A1-85C0CEBC3BB6}" type="slidenum">
+              <a:rPr lang="en-US" smtClean="0"/>
+              <a:t>‹#›</a:t>
+            </a:fld>
+            <a:endParaRPr lang="en-US"/>
+          </a:p>
+        </p:txBody>
+      </p:sp>
+      <p:sp>
+        <p:nvSpPr>
+          <p:cNvPr id="3" name="Text Placeholder 2"/>
+          <p:cNvSpPr>
+            <a:spLocks noGrp="1"/>
+          </p:cNvSpPr>
+          <p:nvPr>
+            <p:ph type="body" idx="2"/>
+          </p:nvPr>
+        </p:nvSpPr>
+        <p:spPr>
+          <a:xfrm>
+            <a:off x="609600" y="1752600"/>
+            <a:ext cx="1600200" cy="4343400"/>
+          </a:xfrm>
+          <a:ln w="50800" cap="sq" cmpd="dbl" algn="ctr">
+            <a:solidFill>
+              <a:schemeClr val="accent2"/>
+            </a:solidFill>
+            <a:prstDash val="solid"/>
+            <a:miter lim="800000"/>
+          </a:ln>
+          <a:effectLst/>
+        </p:spPr>
+        <p:style>
+          <a:lnRef idx="3">
+            <a:schemeClr val="lt1"/>
+          </a:lnRef>
+          <a:fillRef idx="1">
+            <a:schemeClr val="accent2"/>
+          </a:fillRef>
+          <a:effectRef idx="1">
+            <a:schemeClr val="accent2"/>
+          </a:effectRef>
+          <a:fontRef idx="minor">
+            <a:schemeClr val="lt1"/>
+          </a:fontRef>
+        </p:style>
+        <p:txBody>
+          <a:bodyPr lIns="137160" tIns="182880" rIns="137160" bIns="91440"/>
+          <a:lstStyle>
+            <a:lvl1pPr marL="0" indent="0">
+              <a:spcAft>
+                <a:spcPts val="1000"/>
+              </a:spcAft>
+              <a:buNone/>
+              <a:defRPr sz="1800"/>
             </a:lvl1pPr>
             <a:lvl2pPr>
-              <a:defRPr sz="2800"/>
-            </a:lvl2pPr>
-            <a:lvl3pPr>
-              <a:defRPr sz="2400"/>
-            </a:lvl3pPr>
-            <a:lvl4pPr>
-              <a:defRPr sz="2000"/>
-            </a:lvl4pPr>
-            <a:lvl5pPr>
-              <a:defRPr sz="2000"/>
-            </a:lvl5pPr>
-            <a:lvl6pPr>
-              <a:defRPr sz="2000"/>
-            </a:lvl6pPr>
-            <a:lvl7pPr>
-              <a:defRPr sz="2000"/>
-            </a:lvl7pPr>
-            <a:lvl8pPr>
-              <a:defRPr sz="2000"/>
-            </a:lvl8pPr>
-            <a:lvl9pPr>
-              <a:defRPr sz="2000"/>
-            </a:lvl9pPr>
-          </a:lstStyle>
-          <a:p>
-            <a:pPr lvl="0"/>
-            <a:r>
-              <a:rPr lang="en-US" smtClean="0"/>
-              <a:t>Click to edit Master text styles</a:t>
-            </a:r>
-          </a:p>
-          <a:p>
-            <a:pPr lvl="1"/>
-            <a:r>
-              <a:rPr lang="en-US" smtClean="0"/>
-              <a:t>Second level</a:t>
-            </a:r>
-          </a:p>
-          <a:p>
-            <a:pPr lvl="2"/>
-            <a:r>
-              <a:rPr lang="en-US" smtClean="0"/>
-              <a:t>Third level</a:t>
-            </a:r>
-          </a:p>
-          <a:p>
-            <a:pPr lvl="3"/>
-            <a:r>
-              <a:rPr lang="en-US" smtClean="0"/>
-              <a:t>Fourth level</a:t>
-            </a:r>
-          </a:p>
-          <a:p>
-            <a:pPr lvl="4"/>
-            <a:r>
-              <a:rPr lang="en-US" smtClean="0"/>
-              <a:t>Fifth level</a:t>
-            </a:r>
-            <a:endParaRPr lang="en-US"/>
-          </a:p>
-        </p:txBody>
-      </p:sp>
-      <p:sp>
-        <p:nvSpPr>
-          <p:cNvPr id="4" name="Text Placeholder 3"/>
-          <p:cNvSpPr>
-            <a:spLocks noGrp="1"/>
-          </p:cNvSpPr>
-          <p:nvPr>
-            <p:ph type="body" sz="half" idx="2"/>
-          </p:nvPr>
-        </p:nvSpPr>
-        <p:spPr>
-          <a:xfrm>
-            <a:off x="457200" y="1435100"/>
-            <a:ext cx="3008313" cy="4691063"/>
-          </a:xfrm>
-        </p:spPr>
-        <p:txBody>
-          <a:bodyPr/>
-          <a:lstStyle>
-            <a:lvl1pPr marL="0" indent="0">
-              <a:buNone/>
-              <a:defRPr sz="1400"/>
-            </a:lvl1pPr>
-            <a:lvl2pPr marL="457200" indent="0">
               <a:buNone/>
               <a:defRPr sz="1200"/>
             </a:lvl2pPr>
-            <a:lvl3pPr marL="914400" indent="0">
+            <a:lvl3pPr>
               <a:buNone/>
               <a:defRPr sz="1000"/>
             </a:lvl3pPr>
-            <a:lvl4pPr marL="1371600" indent="0">
+            <a:lvl4pPr>
               <a:buNone/>
               <a:defRPr sz="900"/>
             </a:lvl4pPr>
-            <a:lvl5pPr marL="1828800" indent="0">
+            <a:lvl5pPr>
               <a:buNone/>
               <a:defRPr sz="900"/>
             </a:lvl5pPr>
-            <a:lvl6pPr marL="2286000" indent="0">
-              <a:buNone/>
-              <a:defRPr sz="900"/>
-            </a:lvl6pPr>
-            <a:lvl7pPr marL="2743200" indent="0">
-              <a:buNone/>
-              <a:defRPr sz="900"/>
-            </a:lvl7pPr>
-            <a:lvl8pPr marL="3200400" indent="0">
-              <a:buNone/>
-              <a:defRPr sz="900"/>
-            </a:lvl8pPr>
-            <a:lvl9pPr marL="3657600" indent="0">
-              <a:buNone/>
-              <a:defRPr sz="900"/>
-            </a:lvl9pPr>
           </a:lstStyle>
           <a:p>
-            <a:pPr lvl="0"/>
-            <a:r>
-              <a:rPr lang="en-US" smtClean="0"/>
+            <a:pPr lvl="0" eaLnBrk="1" latinLnBrk="0" hangingPunct="1"/>
+            <a:r>
+              <a:rPr kumimoji="0" lang="en-US" smtClean="0"/>
               <a:t>Click to edit Master text styles</a:t>
             </a:r>
           </a:p>
@@ -2242,75 +2497,62 @@
       </p:sp>
       <p:sp>
         <p:nvSpPr>
-          <p:cNvPr id="5" name="Date Placeholder 4"/>
-          <p:cNvSpPr>
-            <a:spLocks noGrp="1"/>
-          </p:cNvSpPr>
-          <p:nvPr>
-            <p:ph type="dt" sz="half" idx="10"/>
-          </p:nvPr>
-        </p:nvSpPr>
-        <p:spPr/>
+          <p:cNvPr id="9" name="Content Placeholder 8"/>
+          <p:cNvSpPr>
+            <a:spLocks noGrp="1"/>
+          </p:cNvSpPr>
+          <p:nvPr>
+            <p:ph sz="quarter" idx="1"/>
+          </p:nvPr>
+        </p:nvSpPr>
+        <p:spPr>
+          <a:xfrm>
+            <a:off x="2362200" y="1752600"/>
+            <a:ext cx="6400800" cy="4419600"/>
+          </a:xfrm>
+        </p:spPr>
         <p:txBody>
           <a:bodyPr/>
           <a:lstStyle/>
           <a:p>
-            <a:fld id="{8AB41A34-2EE5-44C4-9BA3-2FC8AB148CCF}" type="datetimeFigureOut">
-              <a:rPr lang="en-US" smtClean="0"/>
-              <a:t>4/23/2013</a:t>
-            </a:fld>
-            <a:endParaRPr lang="en-US"/>
-          </a:p>
-        </p:txBody>
-      </p:sp>
-      <p:sp>
-        <p:nvSpPr>
-          <p:cNvPr id="6" name="Footer Placeholder 5"/>
-          <p:cNvSpPr>
-            <a:spLocks noGrp="1"/>
-          </p:cNvSpPr>
-          <p:nvPr>
-            <p:ph type="ftr" sz="quarter" idx="11"/>
-          </p:nvPr>
-        </p:nvSpPr>
-        <p:spPr/>
-        <p:txBody>
-          <a:bodyPr/>
-          <a:lstStyle/>
-          <a:p>
-            <a:endParaRPr lang="en-US"/>
-          </a:p>
-        </p:txBody>
-      </p:sp>
-      <p:sp>
-        <p:nvSpPr>
-          <p:cNvPr id="7" name="Slide Number Placeholder 6"/>
-          <p:cNvSpPr>
-            <a:spLocks noGrp="1"/>
-          </p:cNvSpPr>
-          <p:nvPr>
-            <p:ph type="sldNum" sz="quarter" idx="12"/>
-          </p:nvPr>
-        </p:nvSpPr>
-        <p:spPr/>
-        <p:txBody>
-          <a:bodyPr/>
-          <a:lstStyle/>
-          <a:p>
-            <a:fld id="{1B0E5B9E-6395-4C0E-94A1-85C0CEBC3BB6}" type="slidenum">
-              <a:rPr lang="en-US" smtClean="0"/>
-              <a:t>‹#›</a:t>
-            </a:fld>
-            <a:endParaRPr lang="en-US"/>
+            <a:pPr lvl="0" eaLnBrk="1" latinLnBrk="0" hangingPunct="1"/>
+            <a:r>
+              <a:rPr lang="en-US" smtClean="0"/>
+              <a:t>Click to edit Master text styles</a:t>
+            </a:r>
+          </a:p>
+          <a:p>
+            <a:pPr lvl="1" eaLnBrk="1" latinLnBrk="0" hangingPunct="1"/>
+            <a:r>
+              <a:rPr lang="en-US" smtClean="0"/>
+              <a:t>Second level</a:t>
+            </a:r>
+          </a:p>
+          <a:p>
+            <a:pPr lvl="2" eaLnBrk="1" latinLnBrk="0" hangingPunct="1"/>
+            <a:r>
+              <a:rPr lang="en-US" smtClean="0"/>
+              <a:t>Third level</a:t>
+            </a:r>
+          </a:p>
+          <a:p>
+            <a:pPr lvl="3" eaLnBrk="1" latinLnBrk="0" hangingPunct="1"/>
+            <a:r>
+              <a:rPr lang="en-US" smtClean="0"/>
+              <a:t>Fourth level</a:t>
+            </a:r>
+          </a:p>
+          <a:p>
+            <a:pPr lvl="4" eaLnBrk="1" latinLnBrk="0" hangingPunct="1"/>
+            <a:r>
+              <a:rPr lang="en-US" smtClean="0"/>
+              <a:t>Fifth level</a:t>
+            </a:r>
+            <a:endParaRPr kumimoji="0" lang="en-US"/>
           </a:p>
         </p:txBody>
       </p:sp>
     </p:spTree>
-    <p:extLst>
-      <p:ext uri="{BB962C8B-B14F-4D97-AF65-F5344CB8AC3E}">
-        <p14:creationId xmlns:p14="http://schemas.microsoft.com/office/powerpoint/2010/main" val="1413710141"/>
-      </p:ext>
-    </p:extLst>
   </p:cSld>
   <p:clrMapOvr>
     <a:masterClrMapping/>
@@ -2319,8 +2561,13 @@
 </file>
 
 <file path=ppt/slideLayouts/slideLayout9.xml><?xml version="1.0" encoding="utf-8"?>
-<p:sldLayout xmlns:a="http://schemas.openxmlformats.org/drawingml/2006/main" xmlns:r="http://schemas.openxmlformats.org/officeDocument/2006/relationships" xmlns:p="http://schemas.openxmlformats.org/presentationml/2006/main" type="picTx" preserve="1">
+<p:sldLayout xmlns:a="http://schemas.openxmlformats.org/drawingml/2006/main" xmlns:r="http://schemas.openxmlformats.org/officeDocument/2006/relationships" xmlns:p="http://schemas.openxmlformats.org/presentationml/2006/main" showMasterSp="0" type="picTx" preserve="1">
   <p:cSld name="Picture with Caption">
+    <p:bg>
+      <p:bgRef idx="1003">
+        <a:schemeClr val="bg2"/>
+      </p:bgRef>
+    </p:bg>
     <p:spTree>
       <p:nvGrpSpPr>
         <p:cNvPr id="1" name=""/>
@@ -2337,6 +2584,202 @@
       </p:grpSpPr>
       <p:sp>
         <p:nvSpPr>
+          <p:cNvPr id="4" name="Text Placeholder 3"/>
+          <p:cNvSpPr>
+            <a:spLocks noGrp="1"/>
+          </p:cNvSpPr>
+          <p:nvPr>
+            <p:ph type="body" sz="half" idx="2"/>
+          </p:nvPr>
+        </p:nvSpPr>
+        <p:spPr>
+          <a:xfrm>
+            <a:off x="1600200" y="5486400"/>
+            <a:ext cx="7315200" cy="685800"/>
+          </a:xfrm>
+        </p:spPr>
+        <p:txBody>
+          <a:bodyPr/>
+          <a:lstStyle>
+            <a:lvl1pPr marL="0" indent="0">
+              <a:buFontTx/>
+              <a:buNone/>
+              <a:defRPr sz="1700"/>
+            </a:lvl1pPr>
+            <a:lvl2pPr>
+              <a:buFontTx/>
+              <a:buNone/>
+              <a:defRPr sz="1200"/>
+            </a:lvl2pPr>
+            <a:lvl3pPr>
+              <a:buFontTx/>
+              <a:buNone/>
+              <a:defRPr sz="1000"/>
+            </a:lvl3pPr>
+            <a:lvl4pPr>
+              <a:buFontTx/>
+              <a:buNone/>
+              <a:defRPr sz="900"/>
+            </a:lvl4pPr>
+            <a:lvl5pPr>
+              <a:buFontTx/>
+              <a:buNone/>
+              <a:defRPr sz="900"/>
+            </a:lvl5pPr>
+          </a:lstStyle>
+          <a:p>
+            <a:pPr lvl="0" eaLnBrk="1" latinLnBrk="0" hangingPunct="1"/>
+            <a:r>
+              <a:rPr kumimoji="0" lang="en-US" smtClean="0"/>
+              <a:t>Click to edit Master text styles</a:t>
+            </a:r>
+          </a:p>
+        </p:txBody>
+      </p:sp>
+      <p:sp>
+        <p:nvSpPr>
+          <p:cNvPr id="8" name="Rectangle 7"/>
+          <p:cNvSpPr/>
+          <p:nvPr/>
+        </p:nvSpPr>
+        <p:spPr bwMode="white">
+          <a:xfrm>
+            <a:off x="-9144" y="4572000"/>
+            <a:ext cx="9144000" cy="886968"/>
+          </a:xfrm>
+          <a:prstGeom prst="rect">
+            <a:avLst/>
+          </a:prstGeom>
+          <a:solidFill>
+            <a:srgbClr val="FFFFFF"/>
+          </a:solidFill>
+          <a:ln w="50800" cap="rnd" cmpd="dbl" algn="ctr">
+            <a:noFill/>
+            <a:prstDash val="solid"/>
+          </a:ln>
+          <a:effectLst/>
+        </p:spPr>
+        <p:style>
+          <a:lnRef idx="3">
+            <a:schemeClr val="lt1"/>
+          </a:lnRef>
+          <a:fillRef idx="1">
+            <a:schemeClr val="accent1"/>
+          </a:fillRef>
+          <a:effectRef idx="1">
+            <a:schemeClr val="accent1"/>
+          </a:effectRef>
+          <a:fontRef idx="minor">
+            <a:schemeClr val="lt1"/>
+          </a:fontRef>
+        </p:style>
+        <p:txBody>
+          <a:bodyPr anchor="ctr"/>
+          <a:lstStyle/>
+          <a:p>
+            <a:pPr algn="ctr" eaLnBrk="1" latinLnBrk="0" hangingPunct="1"/>
+            <a:endParaRPr kumimoji="0" lang="en-US"/>
+          </a:p>
+        </p:txBody>
+      </p:sp>
+      <p:sp>
+        <p:nvSpPr>
+          <p:cNvPr id="9" name="Rectangle 8"/>
+          <p:cNvSpPr/>
+          <p:nvPr/>
+        </p:nvSpPr>
+        <p:spPr>
+          <a:xfrm>
+            <a:off x="-9144" y="4663440"/>
+            <a:ext cx="1463040" cy="713232"/>
+          </a:xfrm>
+          <a:prstGeom prst="rect">
+            <a:avLst/>
+          </a:prstGeom>
+          <a:solidFill>
+            <a:schemeClr val="accent2">
+              <a:alpha val="100000"/>
+            </a:schemeClr>
+          </a:solidFill>
+          <a:ln w="50800" cap="rnd" cmpd="dbl" algn="ctr">
+            <a:noFill/>
+            <a:prstDash val="solid"/>
+          </a:ln>
+          <a:effectLst/>
+        </p:spPr>
+        <p:style>
+          <a:lnRef idx="3">
+            <a:schemeClr val="lt1"/>
+          </a:lnRef>
+          <a:fillRef idx="1">
+            <a:schemeClr val="accent1"/>
+          </a:fillRef>
+          <a:effectRef idx="1">
+            <a:schemeClr val="accent1"/>
+          </a:effectRef>
+          <a:fontRef idx="minor">
+            <a:schemeClr val="lt1"/>
+          </a:fontRef>
+        </p:style>
+        <p:txBody>
+          <a:bodyPr anchor="ctr"/>
+          <a:lstStyle/>
+          <a:p>
+            <a:pPr algn="ctr" eaLnBrk="1" latinLnBrk="0" hangingPunct="1"/>
+            <a:endParaRPr kumimoji="0" lang="en-US"/>
+          </a:p>
+        </p:txBody>
+      </p:sp>
+      <p:sp>
+        <p:nvSpPr>
+          <p:cNvPr id="10" name="Rectangle 9"/>
+          <p:cNvSpPr/>
+          <p:nvPr/>
+        </p:nvSpPr>
+        <p:spPr>
+          <a:xfrm>
+            <a:off x="1545336" y="4654296"/>
+            <a:ext cx="7598664" cy="713232"/>
+          </a:xfrm>
+          <a:prstGeom prst="rect">
+            <a:avLst/>
+          </a:prstGeom>
+          <a:solidFill>
+            <a:schemeClr val="accent1">
+              <a:alpha val="100000"/>
+            </a:schemeClr>
+          </a:solidFill>
+          <a:ln w="50800" cap="rnd" cmpd="dbl" algn="ctr">
+            <a:noFill/>
+            <a:prstDash val="solid"/>
+          </a:ln>
+          <a:effectLst/>
+        </p:spPr>
+        <p:style>
+          <a:lnRef idx="3">
+            <a:schemeClr val="lt1"/>
+          </a:lnRef>
+          <a:fillRef idx="1">
+            <a:schemeClr val="accent1"/>
+          </a:fillRef>
+          <a:effectRef idx="1">
+            <a:schemeClr val="accent1"/>
+          </a:effectRef>
+          <a:fontRef idx="minor">
+            <a:schemeClr val="lt1"/>
+          </a:fontRef>
+        </p:style>
+        <p:txBody>
+          <a:bodyPr anchor="ctr"/>
+          <a:lstStyle/>
+          <a:p>
+            <a:pPr algn="ctr" eaLnBrk="1" latinLnBrk="0" hangingPunct="1"/>
+            <a:endParaRPr kumimoji="0" lang="en-US"/>
+          </a:p>
+        </p:txBody>
+      </p:sp>
+      <p:sp>
+        <p:nvSpPr>
           <p:cNvPr id="2" name="Title 1"/>
           <p:cNvSpPr>
             <a:spLocks noGrp="1"/>
@@ -2347,28 +2790,163 @@
         </p:nvSpPr>
         <p:spPr>
           <a:xfrm>
-            <a:off x="1792288" y="4800600"/>
-            <a:ext cx="5486400" cy="566738"/>
-          </a:xfrm>
-        </p:spPr>
-        <p:txBody>
-          <a:bodyPr anchor="b"/>
+            <a:off x="1600200" y="4648200"/>
+            <a:ext cx="7315200" cy="685800"/>
+          </a:xfrm>
+        </p:spPr>
+        <p:txBody>
+          <a:bodyPr anchor="ctr"/>
           <a:lstStyle>
             <a:lvl1pPr algn="l">
-              <a:defRPr sz="2000" b="1"/>
+              <a:buNone/>
+              <a:defRPr sz="2800" b="0">
+                <a:solidFill>
+                  <a:srgbClr val="FFFFFF"/>
+                </a:solidFill>
+              </a:defRPr>
             </a:lvl1pPr>
           </a:lstStyle>
           <a:p>
             <a:r>
-              <a:rPr lang="en-US" smtClean="0"/>
+              <a:rPr kumimoji="0" lang="en-US" smtClean="0"/>
               <a:t>Click to edit Master title style</a:t>
             </a:r>
+            <a:endParaRPr kumimoji="0" lang="en-US"/>
+          </a:p>
+        </p:txBody>
+      </p:sp>
+      <p:sp>
+        <p:nvSpPr>
+          <p:cNvPr id="11" name="Rectangle 10"/>
+          <p:cNvSpPr/>
+          <p:nvPr/>
+        </p:nvSpPr>
+        <p:spPr bwMode="white">
+          <a:xfrm>
+            <a:off x="1447800" y="0"/>
+            <a:ext cx="100584" cy="6867144"/>
+          </a:xfrm>
+          <a:prstGeom prst="rect">
+            <a:avLst/>
+          </a:prstGeom>
+          <a:solidFill>
+            <a:srgbClr val="FFFFFF"/>
+          </a:solidFill>
+          <a:ln w="50800" cap="rnd" cmpd="dbl" algn="ctr">
+            <a:noFill/>
+            <a:prstDash val="solid"/>
+          </a:ln>
+          <a:effectLst/>
+        </p:spPr>
+        <p:style>
+          <a:lnRef idx="3">
+            <a:schemeClr val="lt1"/>
+          </a:lnRef>
+          <a:fillRef idx="1">
+            <a:schemeClr val="accent1"/>
+          </a:fillRef>
+          <a:effectRef idx="1">
+            <a:schemeClr val="accent1"/>
+          </a:effectRef>
+          <a:fontRef idx="minor">
+            <a:schemeClr val="lt1"/>
+          </a:fontRef>
+        </p:style>
+        <p:txBody>
+          <a:bodyPr anchor="ctr"/>
+          <a:lstStyle/>
+          <a:p>
+            <a:pPr algn="ctr" eaLnBrk="1" latinLnBrk="0" hangingPunct="1"/>
+            <a:endParaRPr kumimoji="0" lang="en-US"/>
+          </a:p>
+        </p:txBody>
+      </p:sp>
+      <p:sp>
+        <p:nvSpPr>
+          <p:cNvPr id="12" name="Date Placeholder 11"/>
+          <p:cNvSpPr>
+            <a:spLocks noGrp="1"/>
+          </p:cNvSpPr>
+          <p:nvPr>
+            <p:ph type="dt" sz="half" idx="10"/>
+          </p:nvPr>
+        </p:nvSpPr>
+        <p:spPr>
+          <a:xfrm>
+            <a:off x="6248400" y="6248400"/>
+            <a:ext cx="2667000" cy="365125"/>
+          </a:xfrm>
+        </p:spPr>
+        <p:txBody>
+          <a:bodyPr rtlCol="0"/>
+          <a:lstStyle/>
+          <a:p>
+            <a:fld id="{8AB41A34-2EE5-44C4-9BA3-2FC8AB148CCF}" type="datetimeFigureOut">
+              <a:rPr lang="en-US" smtClean="0"/>
+              <a:t>4/26/2013</a:t>
+            </a:fld>
             <a:endParaRPr lang="en-US"/>
           </a:p>
         </p:txBody>
       </p:sp>
       <p:sp>
         <p:nvSpPr>
+          <p:cNvPr id="13" name="Slide Number Placeholder 12"/>
+          <p:cNvSpPr>
+            <a:spLocks noGrp="1"/>
+          </p:cNvSpPr>
+          <p:nvPr>
+            <p:ph type="sldNum" sz="quarter" idx="11"/>
+          </p:nvPr>
+        </p:nvSpPr>
+        <p:spPr>
+          <a:xfrm>
+            <a:off x="0" y="4667249"/>
+            <a:ext cx="1447800" cy="663578"/>
+          </a:xfrm>
+        </p:spPr>
+        <p:txBody>
+          <a:bodyPr rtlCol="0"/>
+          <a:lstStyle>
+            <a:lvl1pPr>
+              <a:defRPr sz="2800"/>
+            </a:lvl1pPr>
+          </a:lstStyle>
+          <a:p>
+            <a:fld id="{1B0E5B9E-6395-4C0E-94A1-85C0CEBC3BB6}" type="slidenum">
+              <a:rPr lang="en-US" smtClean="0"/>
+              <a:t>‹#›</a:t>
+            </a:fld>
+            <a:endParaRPr lang="en-US"/>
+          </a:p>
+        </p:txBody>
+      </p:sp>
+      <p:sp>
+        <p:nvSpPr>
+          <p:cNvPr id="14" name="Footer Placeholder 13"/>
+          <p:cNvSpPr>
+            <a:spLocks noGrp="1"/>
+          </p:cNvSpPr>
+          <p:nvPr>
+            <p:ph type="ftr" sz="quarter" idx="12"/>
+          </p:nvPr>
+        </p:nvSpPr>
+        <p:spPr>
+          <a:xfrm>
+            <a:off x="1600200" y="6248206"/>
+            <a:ext cx="4572000" cy="365125"/>
+          </a:xfrm>
+        </p:spPr>
+        <p:txBody>
+          <a:bodyPr rtlCol="0"/>
+          <a:lstStyle/>
+          <a:p>
+            <a:endParaRPr lang="en-US"/>
+          </a:p>
+        </p:txBody>
+      </p:sp>
+      <p:sp>
+        <p:nvSpPr>
           <p:cNvPr id="3" name="Picture Placeholder 2"/>
           <p:cNvSpPr>
             <a:spLocks noGrp="1"/>
@@ -2379,9 +2957,17 @@
         </p:nvSpPr>
         <p:spPr>
           <a:xfrm>
-            <a:off x="1792288" y="612775"/>
-            <a:ext cx="5486400" cy="4114800"/>
-          </a:xfrm>
+            <a:off x="1560576" y="0"/>
+            <a:ext cx="7583424" cy="4568952"/>
+          </a:xfrm>
+          <a:solidFill>
+            <a:schemeClr val="accent1">
+              <a:tint val="40000"/>
+            </a:schemeClr>
+          </a:solidFill>
+          <a:ln>
+            <a:noFill/>
+          </a:ln>
         </p:spPr>
         <p:txBody>
           <a:bodyPr/>
@@ -2390,183 +2976,20 @@
               <a:buNone/>
               <a:defRPr sz="3200"/>
             </a:lvl1pPr>
-            <a:lvl2pPr marL="457200" indent="0">
-              <a:buNone/>
-              <a:defRPr sz="2800"/>
-            </a:lvl2pPr>
-            <a:lvl3pPr marL="914400" indent="0">
-              <a:buNone/>
-              <a:defRPr sz="2400"/>
-            </a:lvl3pPr>
-            <a:lvl4pPr marL="1371600" indent="0">
-              <a:buNone/>
-              <a:defRPr sz="2000"/>
-            </a:lvl4pPr>
-            <a:lvl5pPr marL="1828800" indent="0">
-              <a:buNone/>
-              <a:defRPr sz="2000"/>
-            </a:lvl5pPr>
-            <a:lvl6pPr marL="2286000" indent="0">
-              <a:buNone/>
-              <a:defRPr sz="2000"/>
-            </a:lvl6pPr>
-            <a:lvl7pPr marL="2743200" indent="0">
-              <a:buNone/>
-              <a:defRPr sz="2000"/>
-            </a:lvl7pPr>
-            <a:lvl8pPr marL="3200400" indent="0">
-              <a:buNone/>
-              <a:defRPr sz="2000"/>
-            </a:lvl8pPr>
-            <a:lvl9pPr marL="3657600" indent="0">
-              <a:buNone/>
-              <a:defRPr sz="2000"/>
-            </a:lvl9pPr>
           </a:lstStyle>
           <a:p>
-            <a:endParaRPr lang="en-US"/>
-          </a:p>
-        </p:txBody>
-      </p:sp>
-      <p:sp>
-        <p:nvSpPr>
-          <p:cNvPr id="4" name="Text Placeholder 3"/>
-          <p:cNvSpPr>
-            <a:spLocks noGrp="1"/>
-          </p:cNvSpPr>
-          <p:nvPr>
-            <p:ph type="body" sz="half" idx="2"/>
-          </p:nvPr>
-        </p:nvSpPr>
-        <p:spPr>
-          <a:xfrm>
-            <a:off x="1792288" y="5367338"/>
-            <a:ext cx="5486400" cy="804862"/>
-          </a:xfrm>
-        </p:spPr>
-        <p:txBody>
-          <a:bodyPr/>
-          <a:lstStyle>
-            <a:lvl1pPr marL="0" indent="0">
-              <a:buNone/>
-              <a:defRPr sz="1400"/>
-            </a:lvl1pPr>
-            <a:lvl2pPr marL="457200" indent="0">
-              <a:buNone/>
-              <a:defRPr sz="1200"/>
-            </a:lvl2pPr>
-            <a:lvl3pPr marL="914400" indent="0">
-              <a:buNone/>
-              <a:defRPr sz="1000"/>
-            </a:lvl3pPr>
-            <a:lvl4pPr marL="1371600" indent="0">
-              <a:buNone/>
-              <a:defRPr sz="900"/>
-            </a:lvl4pPr>
-            <a:lvl5pPr marL="1828800" indent="0">
-              <a:buNone/>
-              <a:defRPr sz="900"/>
-            </a:lvl5pPr>
-            <a:lvl6pPr marL="2286000" indent="0">
-              <a:buNone/>
-              <a:defRPr sz="900"/>
-            </a:lvl6pPr>
-            <a:lvl7pPr marL="2743200" indent="0">
-              <a:buNone/>
-              <a:defRPr sz="900"/>
-            </a:lvl7pPr>
-            <a:lvl8pPr marL="3200400" indent="0">
-              <a:buNone/>
-              <a:defRPr sz="900"/>
-            </a:lvl8pPr>
-            <a:lvl9pPr marL="3657600" indent="0">
-              <a:buNone/>
-              <a:defRPr sz="900"/>
-            </a:lvl9pPr>
-          </a:lstStyle>
-          <a:p>
-            <a:pPr lvl="0"/>
-            <a:r>
-              <a:rPr lang="en-US" smtClean="0"/>
-              <a:t>Click to edit Master text styles</a:t>
-            </a:r>
-          </a:p>
-        </p:txBody>
-      </p:sp>
-      <p:sp>
-        <p:nvSpPr>
-          <p:cNvPr id="5" name="Date Placeholder 4"/>
-          <p:cNvSpPr>
-            <a:spLocks noGrp="1"/>
-          </p:cNvSpPr>
-          <p:nvPr>
-            <p:ph type="dt" sz="half" idx="10"/>
-          </p:nvPr>
-        </p:nvSpPr>
-        <p:spPr/>
-        <p:txBody>
-          <a:bodyPr/>
-          <a:lstStyle/>
-          <a:p>
-            <a:fld id="{8AB41A34-2EE5-44C4-9BA3-2FC8AB148CCF}" type="datetimeFigureOut">
-              <a:rPr lang="en-US" smtClean="0"/>
-              <a:t>4/23/2013</a:t>
-            </a:fld>
-            <a:endParaRPr lang="en-US"/>
-          </a:p>
-        </p:txBody>
-      </p:sp>
-      <p:sp>
-        <p:nvSpPr>
-          <p:cNvPr id="6" name="Footer Placeholder 5"/>
-          <p:cNvSpPr>
-            <a:spLocks noGrp="1"/>
-          </p:cNvSpPr>
-          <p:nvPr>
-            <p:ph type="ftr" sz="quarter" idx="11"/>
-          </p:nvPr>
-        </p:nvSpPr>
-        <p:spPr/>
-        <p:txBody>
-          <a:bodyPr/>
-          <a:lstStyle/>
-          <a:p>
-            <a:endParaRPr lang="en-US"/>
-          </a:p>
-        </p:txBody>
-      </p:sp>
-      <p:sp>
-        <p:nvSpPr>
-          <p:cNvPr id="7" name="Slide Number Placeholder 6"/>
-          <p:cNvSpPr>
-            <a:spLocks noGrp="1"/>
-          </p:cNvSpPr>
-          <p:nvPr>
-            <p:ph type="sldNum" sz="quarter" idx="12"/>
-          </p:nvPr>
-        </p:nvSpPr>
-        <p:spPr/>
-        <p:txBody>
-          <a:bodyPr/>
-          <a:lstStyle/>
-          <a:p>
-            <a:fld id="{1B0E5B9E-6395-4C0E-94A1-85C0CEBC3BB6}" type="slidenum">
-              <a:rPr lang="en-US" smtClean="0"/>
-              <a:t>‹#›</a:t>
-            </a:fld>
-            <a:endParaRPr lang="en-US"/>
+            <a:r>
+              <a:rPr kumimoji="0" lang="en-US" smtClean="0"/>
+              <a:t>Click icon to add picture</a:t>
+            </a:r>
+            <a:endParaRPr kumimoji="0" lang="en-US" dirty="0"/>
           </a:p>
         </p:txBody>
       </p:sp>
     </p:spTree>
-    <p:extLst>
-      <p:ext uri="{BB962C8B-B14F-4D97-AF65-F5344CB8AC3E}">
-        <p14:creationId xmlns:p14="http://schemas.microsoft.com/office/powerpoint/2010/main" val="1314588816"/>
-      </p:ext>
-    </p:extLst>
   </p:cSld>
   <p:clrMapOvr>
-    <a:masterClrMapping/>
+    <a:overrideClrMapping bg1="lt1" tx1="dk1" bg2="lt2" tx2="dk2" accent1="accent1" accent2="accent2" accent3="accent3" accent4="accent4" accent5="accent5" accent6="accent6" hlink="hlink" folHlink="folHlink"/>
   </p:clrMapOvr>
 </p:sldLayout>
 </file>
@@ -2595,7 +3018,7 @@
       </p:grpSpPr>
       <p:sp>
         <p:nvSpPr>
-          <p:cNvPr id="2" name="Title Placeholder 1"/>
+          <p:cNvPr id="22" name="Title Placeholder 21"/>
           <p:cNvSpPr>
             <a:spLocks noGrp="1"/>
           </p:cNvSpPr>
@@ -2605,30 +3028,30 @@
         </p:nvSpPr>
         <p:spPr>
           <a:xfrm>
-            <a:off x="457200" y="274638"/>
-            <a:ext cx="8229600" cy="1143000"/>
+            <a:off x="609600" y="228600"/>
+            <a:ext cx="8153400" cy="990600"/>
           </a:xfrm>
           <a:prstGeom prst="rect">
             <a:avLst/>
           </a:prstGeom>
         </p:spPr>
         <p:txBody>
-          <a:bodyPr vert="horz" lIns="91440" tIns="45720" rIns="91440" bIns="45720" rtlCol="0" anchor="ctr">
+          <a:bodyPr vert="horz" anchor="ctr">
             <a:normAutofit/>
           </a:bodyPr>
           <a:lstStyle/>
           <a:p>
             <a:r>
-              <a:rPr lang="en-US" smtClean="0"/>
+              <a:rPr kumimoji="0" lang="en-US" smtClean="0"/>
               <a:t>Click to edit Master title style</a:t>
             </a:r>
-            <a:endParaRPr lang="en-US"/>
-          </a:p>
-        </p:txBody>
-      </p:sp>
-      <p:sp>
-        <p:nvSpPr>
-          <p:cNvPr id="3" name="Text Placeholder 2"/>
+            <a:endParaRPr kumimoji="0" lang="en-US"/>
+          </a:p>
+        </p:txBody>
+      </p:sp>
+      <p:sp>
+        <p:nvSpPr>
+          <p:cNvPr id="13" name="Text Placeholder 12"/>
           <p:cNvSpPr>
             <a:spLocks noGrp="1"/>
           </p:cNvSpPr>
@@ -2638,59 +3061,59 @@
         </p:nvSpPr>
         <p:spPr>
           <a:xfrm>
-            <a:off x="457200" y="1600200"/>
-            <a:ext cx="8229600" cy="4525963"/>
+            <a:off x="612648" y="1600200"/>
+            <a:ext cx="8153400" cy="4526280"/>
           </a:xfrm>
           <a:prstGeom prst="rect">
             <a:avLst/>
           </a:prstGeom>
         </p:spPr>
         <p:txBody>
-          <a:bodyPr vert="horz" lIns="91440" tIns="45720" rIns="91440" bIns="45720" rtlCol="0">
+          <a:bodyPr vert="horz">
             <a:normAutofit/>
           </a:bodyPr>
           <a:lstStyle/>
           <a:p>
-            <a:pPr lvl="0"/>
-            <a:r>
-              <a:rPr lang="en-US" smtClean="0"/>
+            <a:pPr lvl="0" eaLnBrk="1" latinLnBrk="0" hangingPunct="1"/>
+            <a:r>
+              <a:rPr kumimoji="0" lang="en-US" smtClean="0"/>
               <a:t>Click to edit Master text styles</a:t>
             </a:r>
           </a:p>
           <a:p>
-            <a:pPr lvl="1"/>
-            <a:r>
-              <a:rPr lang="en-US" smtClean="0"/>
+            <a:pPr lvl="1" eaLnBrk="1" latinLnBrk="0" hangingPunct="1"/>
+            <a:r>
+              <a:rPr kumimoji="0" lang="en-US" smtClean="0"/>
               <a:t>Second level</a:t>
             </a:r>
           </a:p>
           <a:p>
-            <a:pPr lvl="2"/>
-            <a:r>
-              <a:rPr lang="en-US" smtClean="0"/>
+            <a:pPr lvl="2" eaLnBrk="1" latinLnBrk="0" hangingPunct="1"/>
+            <a:r>
+              <a:rPr kumimoji="0" lang="en-US" smtClean="0"/>
               <a:t>Third level</a:t>
             </a:r>
           </a:p>
           <a:p>
-            <a:pPr lvl="3"/>
-            <a:r>
-              <a:rPr lang="en-US" smtClean="0"/>
+            <a:pPr lvl="3" eaLnBrk="1" latinLnBrk="0" hangingPunct="1"/>
+            <a:r>
+              <a:rPr kumimoji="0" lang="en-US" smtClean="0"/>
               <a:t>Fourth level</a:t>
             </a:r>
           </a:p>
           <a:p>
-            <a:pPr lvl="4"/>
-            <a:r>
-              <a:rPr lang="en-US" smtClean="0"/>
+            <a:pPr lvl="4" eaLnBrk="1" latinLnBrk="0" hangingPunct="1"/>
+            <a:r>
+              <a:rPr kumimoji="0" lang="en-US" smtClean="0"/>
               <a:t>Fifth level</a:t>
             </a:r>
-            <a:endParaRPr lang="en-US"/>
-          </a:p>
-        </p:txBody>
-      </p:sp>
-      <p:sp>
-        <p:nvSpPr>
-          <p:cNvPr id="4" name="Date Placeholder 3"/>
+            <a:endParaRPr kumimoji="0" lang="en-US"/>
+          </a:p>
+        </p:txBody>
+      </p:sp>
+      <p:sp>
+        <p:nvSpPr>
+          <p:cNvPr id="14" name="Date Placeholder 13"/>
           <p:cNvSpPr>
             <a:spLocks noGrp="1"/>
           </p:cNvSpPr>
@@ -2700,22 +3123,20 @@
         </p:nvSpPr>
         <p:spPr>
           <a:xfrm>
-            <a:off x="457200" y="6356350"/>
-            <a:ext cx="2133600" cy="365125"/>
+            <a:off x="6096000" y="6248400"/>
+            <a:ext cx="2667000" cy="365125"/>
           </a:xfrm>
           <a:prstGeom prst="rect">
             <a:avLst/>
           </a:prstGeom>
         </p:spPr>
         <p:txBody>
-          <a:bodyPr vert="horz" lIns="91440" tIns="45720" rIns="91440" bIns="45720" rtlCol="0" anchor="ctr"/>
+          <a:bodyPr vert="horz" anchor="ctr" anchorCtr="0"/>
           <a:lstStyle>
-            <a:lvl1pPr algn="l">
-              <a:defRPr sz="1200">
+            <a:lvl1pPr algn="l" eaLnBrk="1" latinLnBrk="0" hangingPunct="1">
+              <a:defRPr kumimoji="0" sz="1400">
                 <a:solidFill>
-                  <a:schemeClr val="tx1">
-                    <a:tint val="75000"/>
-                  </a:schemeClr>
+                  <a:schemeClr val="tx2"/>
                 </a:solidFill>
               </a:defRPr>
             </a:lvl1pPr>
@@ -2723,7 +3144,7 @@
           <a:p>
             <a:fld id="{8AB41A34-2EE5-44C4-9BA3-2FC8AB148CCF}" type="datetimeFigureOut">
               <a:rPr lang="en-US" smtClean="0"/>
-              <a:t>4/23/2013</a:t>
+              <a:t>4/26/2013</a:t>
             </a:fld>
             <a:endParaRPr lang="en-US"/>
           </a:p>
@@ -2731,7 +3152,7 @@
       </p:sp>
       <p:sp>
         <p:nvSpPr>
-          <p:cNvPr id="5" name="Footer Placeholder 4"/>
+          <p:cNvPr id="3" name="Footer Placeholder 2"/>
           <p:cNvSpPr>
             <a:spLocks noGrp="1"/>
           </p:cNvSpPr>
@@ -2741,22 +3162,20 @@
         </p:nvSpPr>
         <p:spPr>
           <a:xfrm>
-            <a:off x="3124200" y="6356350"/>
-            <a:ext cx="2895600" cy="365125"/>
+            <a:off x="609600" y="6248206"/>
+            <a:ext cx="5421083" cy="365125"/>
           </a:xfrm>
           <a:prstGeom prst="rect">
             <a:avLst/>
           </a:prstGeom>
         </p:spPr>
         <p:txBody>
-          <a:bodyPr vert="horz" lIns="91440" tIns="45720" rIns="91440" bIns="45720" rtlCol="0" anchor="ctr"/>
+          <a:bodyPr vert="horz" anchor="ctr"/>
           <a:lstStyle>
-            <a:lvl1pPr algn="ctr">
-              <a:defRPr sz="1200">
+            <a:lvl1pPr algn="r" eaLnBrk="1" latinLnBrk="0" hangingPunct="1">
+              <a:defRPr kumimoji="0" sz="1400">
                 <a:solidFill>
-                  <a:schemeClr val="tx1">
-                    <a:tint val="75000"/>
-                  </a:schemeClr>
+                  <a:schemeClr val="tx2"/>
                 </a:solidFill>
               </a:defRPr>
             </a:lvl1pPr>
@@ -2768,32 +3187,174 @@
       </p:sp>
       <p:sp>
         <p:nvSpPr>
-          <p:cNvPr id="6" name="Slide Number Placeholder 5"/>
-          <p:cNvSpPr>
-            <a:spLocks noGrp="1"/>
-          </p:cNvSpPr>
-          <p:nvPr>
-            <p:ph type="sldNum" sz="quarter" idx="4"/>
-          </p:nvPr>
-        </p:nvSpPr>
-        <p:spPr>
-          <a:xfrm>
-            <a:off x="6553200" y="6356350"/>
-            <a:ext cx="2133600" cy="365125"/>
+          <p:cNvPr id="7" name="Rectangle 6"/>
+          <p:cNvSpPr/>
+          <p:nvPr/>
+        </p:nvSpPr>
+        <p:spPr bwMode="white">
+          <a:xfrm>
+            <a:off x="0" y="1234440"/>
+            <a:ext cx="9144000" cy="320040"/>
           </a:xfrm>
           <a:prstGeom prst="rect">
             <a:avLst/>
           </a:prstGeom>
-        </p:spPr>
-        <p:txBody>
-          <a:bodyPr vert="horz" lIns="91440" tIns="45720" rIns="91440" bIns="45720" rtlCol="0" anchor="ctr"/>
+          <a:solidFill>
+            <a:srgbClr val="FFFFFF"/>
+          </a:solidFill>
+          <a:ln w="50800" cap="rnd" cmpd="dbl" algn="ctr">
+            <a:noFill/>
+            <a:prstDash val="solid"/>
+          </a:ln>
+          <a:effectLst/>
+        </p:spPr>
+        <p:style>
+          <a:lnRef idx="3">
+            <a:schemeClr val="lt1"/>
+          </a:lnRef>
+          <a:fillRef idx="1">
+            <a:schemeClr val="accent1"/>
+          </a:fillRef>
+          <a:effectRef idx="1">
+            <a:schemeClr val="accent1"/>
+          </a:effectRef>
+          <a:fontRef idx="minor">
+            <a:schemeClr val="lt1"/>
+          </a:fontRef>
+        </p:style>
+        <p:txBody>
+          <a:bodyPr anchor="ctr"/>
+          <a:lstStyle/>
+          <a:p>
+            <a:pPr algn="ctr" eaLnBrk="1" latinLnBrk="0" hangingPunct="1"/>
+            <a:endParaRPr kumimoji="0" lang="en-US"/>
+          </a:p>
+        </p:txBody>
+      </p:sp>
+      <p:sp>
+        <p:nvSpPr>
+          <p:cNvPr id="8" name="Rectangle 7"/>
+          <p:cNvSpPr/>
+          <p:nvPr/>
+        </p:nvSpPr>
+        <p:spPr>
+          <a:xfrm>
+            <a:off x="0" y="1280160"/>
+            <a:ext cx="533400" cy="228600"/>
+          </a:xfrm>
+          <a:prstGeom prst="rect">
+            <a:avLst/>
+          </a:prstGeom>
+          <a:solidFill>
+            <a:schemeClr val="accent2">
+              <a:alpha val="100000"/>
+            </a:schemeClr>
+          </a:solidFill>
+          <a:ln w="50800" cap="rnd" cmpd="dbl" algn="ctr">
+            <a:noFill/>
+            <a:prstDash val="solid"/>
+          </a:ln>
+          <a:effectLst/>
+        </p:spPr>
+        <p:style>
+          <a:lnRef idx="3">
+            <a:schemeClr val="lt1"/>
+          </a:lnRef>
+          <a:fillRef idx="1">
+            <a:schemeClr val="accent1"/>
+          </a:fillRef>
+          <a:effectRef idx="1">
+            <a:schemeClr val="accent1"/>
+          </a:effectRef>
+          <a:fontRef idx="minor">
+            <a:schemeClr val="lt1"/>
+          </a:fontRef>
+        </p:style>
+        <p:txBody>
+          <a:bodyPr anchor="ctr"/>
+          <a:lstStyle/>
+          <a:p>
+            <a:pPr algn="ctr" eaLnBrk="1" latinLnBrk="0" hangingPunct="1"/>
+            <a:endParaRPr kumimoji="0" lang="en-US"/>
+          </a:p>
+        </p:txBody>
+      </p:sp>
+      <p:sp>
+        <p:nvSpPr>
+          <p:cNvPr id="9" name="Rectangle 8"/>
+          <p:cNvSpPr/>
+          <p:nvPr/>
+        </p:nvSpPr>
+        <p:spPr>
+          <a:xfrm>
+            <a:off x="590550" y="1280160"/>
+            <a:ext cx="8553450" cy="228600"/>
+          </a:xfrm>
+          <a:prstGeom prst="rect">
+            <a:avLst/>
+          </a:prstGeom>
+          <a:solidFill>
+            <a:schemeClr val="accent1">
+              <a:alpha val="100000"/>
+            </a:schemeClr>
+          </a:solidFill>
+          <a:ln w="50800" cap="rnd" cmpd="dbl" algn="ctr">
+            <a:noFill/>
+            <a:prstDash val="solid"/>
+          </a:ln>
+          <a:effectLst/>
+        </p:spPr>
+        <p:style>
+          <a:lnRef idx="3">
+            <a:schemeClr val="lt1"/>
+          </a:lnRef>
+          <a:fillRef idx="1">
+            <a:schemeClr val="accent1"/>
+          </a:fillRef>
+          <a:effectRef idx="1">
+            <a:schemeClr val="accent1"/>
+          </a:effectRef>
+          <a:fontRef idx="minor">
+            <a:schemeClr val="lt1"/>
+          </a:fontRef>
+        </p:style>
+        <p:txBody>
+          <a:bodyPr anchor="ctr"/>
+          <a:lstStyle/>
+          <a:p>
+            <a:pPr algn="ctr" eaLnBrk="1" latinLnBrk="0" hangingPunct="1"/>
+            <a:endParaRPr kumimoji="0" lang="en-US"/>
+          </a:p>
+        </p:txBody>
+      </p:sp>
+      <p:sp>
+        <p:nvSpPr>
+          <p:cNvPr id="23" name="Slide Number Placeholder 22"/>
+          <p:cNvSpPr>
+            <a:spLocks noGrp="1"/>
+          </p:cNvSpPr>
+          <p:nvPr>
+            <p:ph type="sldNum" sz="quarter" idx="4"/>
+          </p:nvPr>
+        </p:nvSpPr>
+        <p:spPr>
+          <a:xfrm>
+            <a:off x="0" y="1272222"/>
+            <a:ext cx="533400" cy="244476"/>
+          </a:xfrm>
+          <a:prstGeom prst="rect">
+            <a:avLst/>
+          </a:prstGeom>
+        </p:spPr>
+        <p:txBody>
+          <a:bodyPr vert="horz" anchor="ctr" anchorCtr="0">
+            <a:normAutofit/>
+          </a:bodyPr>
           <a:lstStyle>
-            <a:lvl1pPr algn="r">
-              <a:defRPr sz="1200">
+            <a:lvl1pPr algn="ctr" eaLnBrk="1" latinLnBrk="0" hangingPunct="1">
+              <a:defRPr kumimoji="0" sz="1400" b="1">
                 <a:solidFill>
-                  <a:schemeClr val="tx1">
-                    <a:tint val="75000"/>
-                  </a:schemeClr>
+                  <a:srgbClr val="FFFFFF"/>
                 </a:solidFill>
               </a:defRPr>
             </a:lvl1pPr>
@@ -2808,36 +3369,31 @@
         </p:txBody>
       </p:sp>
     </p:spTree>
-    <p:extLst>
-      <p:ext uri="{BB962C8B-B14F-4D97-AF65-F5344CB8AC3E}">
-        <p14:creationId xmlns:p14="http://schemas.microsoft.com/office/powerpoint/2010/main" val="3891764027"/>
-      </p:ext>
-    </p:extLst>
   </p:cSld>
   <p:clrMap bg1="lt1" tx1="dk1" bg2="lt2" tx2="dk2" accent1="accent1" accent2="accent2" accent3="accent3" accent4="accent4" accent5="accent5" accent6="accent6" hlink="hlink" folHlink="folHlink"/>
   <p:sldLayoutIdLst>
-    <p:sldLayoutId id="2147483649" r:id="rId1"/>
-    <p:sldLayoutId id="2147483650" r:id="rId2"/>
-    <p:sldLayoutId id="2147483651" r:id="rId3"/>
-    <p:sldLayoutId id="2147483652" r:id="rId4"/>
-    <p:sldLayoutId id="2147483653" r:id="rId5"/>
-    <p:sldLayoutId id="2147483654" r:id="rId6"/>
-    <p:sldLayoutId id="2147483655" r:id="rId7"/>
-    <p:sldLayoutId id="2147483656" r:id="rId8"/>
-    <p:sldLayoutId id="2147483657" r:id="rId9"/>
-    <p:sldLayoutId id="2147483658" r:id="rId10"/>
-    <p:sldLayoutId id="2147483659" r:id="rId11"/>
+    <p:sldLayoutId id="2147483709" r:id="rId1"/>
+    <p:sldLayoutId id="2147483710" r:id="rId2"/>
+    <p:sldLayoutId id="2147483711" r:id="rId3"/>
+    <p:sldLayoutId id="2147483712" r:id="rId4"/>
+    <p:sldLayoutId id="2147483713" r:id="rId5"/>
+    <p:sldLayoutId id="2147483714" r:id="rId6"/>
+    <p:sldLayoutId id="2147483715" r:id="rId7"/>
+    <p:sldLayoutId id="2147483716" r:id="rId8"/>
+    <p:sldLayoutId id="2147483717" r:id="rId9"/>
+    <p:sldLayoutId id="2147483718" r:id="rId10"/>
+    <p:sldLayoutId id="2147483719" r:id="rId11"/>
   </p:sldLayoutIdLst>
   <p:txStyles>
     <p:titleStyle>
-      <a:lvl1pPr algn="ctr" defTabSz="914400" rtl="0" eaLnBrk="1" latinLnBrk="0" hangingPunct="1">
+      <a:lvl1pPr algn="l" rtl="0" eaLnBrk="1" latinLnBrk="0" hangingPunct="1">
         <a:spcBef>
           <a:spcPct val="0"/>
         </a:spcBef>
         <a:buNone/>
-        <a:defRPr sz="4400" kern="1200">
+        <a:defRPr kumimoji="0" sz="4400" kern="1200">
           <a:solidFill>
-            <a:schemeClr val="tx1"/>
+            <a:schemeClr val="tx2"/>
           </a:solidFill>
           <a:latin typeface="+mj-lt"/>
           <a:ea typeface="+mj-ea"/>
@@ -2846,13 +3402,17 @@
       </a:lvl1pPr>
     </p:titleStyle>
     <p:bodyStyle>
-      <a:lvl1pPr marL="342900" indent="-342900" algn="l" defTabSz="914400" rtl="0" eaLnBrk="1" latinLnBrk="0" hangingPunct="1">
+      <a:lvl1pPr marL="320040" indent="-320040" algn="l" rtl="0" eaLnBrk="1" latinLnBrk="0" hangingPunct="1">
         <a:spcBef>
-          <a:spcPct val="20000"/>
+          <a:spcPts val="700"/>
         </a:spcBef>
-        <a:buFont typeface="Arial" pitchFamily="34" charset="0"/>
-        <a:buChar char="•"/>
-        <a:defRPr sz="3200" kern="1200">
+        <a:buClr>
+          <a:schemeClr val="accent2"/>
+        </a:buClr>
+        <a:buSzPct val="60000"/>
+        <a:buFont typeface="Wingdings"/>
+        <a:buChar char=""/>
+        <a:defRPr kumimoji="0" sz="2900" kern="1200">
           <a:solidFill>
             <a:schemeClr val="tx1"/>
           </a:solidFill>
@@ -2861,13 +3421,17 @@
           <a:cs typeface="+mn-cs"/>
         </a:defRPr>
       </a:lvl1pPr>
-      <a:lvl2pPr marL="742950" indent="-285750" algn="l" defTabSz="914400" rtl="0" eaLnBrk="1" latinLnBrk="0" hangingPunct="1">
+      <a:lvl2pPr marL="640080" indent="-274320" algn="l" rtl="0" eaLnBrk="1" latinLnBrk="0" hangingPunct="1">
         <a:spcBef>
-          <a:spcPct val="20000"/>
+          <a:spcPts val="550"/>
         </a:spcBef>
-        <a:buFont typeface="Arial" pitchFamily="34" charset="0"/>
-        <a:buChar char="–"/>
-        <a:defRPr sz="2800" kern="1200">
+        <a:buClr>
+          <a:schemeClr val="accent1"/>
+        </a:buClr>
+        <a:buSzPct val="70000"/>
+        <a:buFont typeface="Wingdings 2"/>
+        <a:buChar char=""/>
+        <a:defRPr kumimoji="0" sz="2600" kern="1200">
           <a:solidFill>
             <a:schemeClr val="tx1"/>
           </a:solidFill>
@@ -2876,13 +3440,17 @@
           <a:cs typeface="+mn-cs"/>
         </a:defRPr>
       </a:lvl2pPr>
-      <a:lvl3pPr marL="1143000" indent="-228600" algn="l" defTabSz="914400" rtl="0" eaLnBrk="1" latinLnBrk="0" hangingPunct="1">
+      <a:lvl3pPr marL="914400" indent="-228600" algn="l" rtl="0" eaLnBrk="1" latinLnBrk="0" hangingPunct="1">
         <a:spcBef>
-          <a:spcPct val="20000"/>
+          <a:spcPts val="500"/>
         </a:spcBef>
-        <a:buFont typeface="Arial" pitchFamily="34" charset="0"/>
-        <a:buChar char="•"/>
-        <a:defRPr sz="2400" kern="1200">
+        <a:buClr>
+          <a:schemeClr val="accent2"/>
+        </a:buClr>
+        <a:buSzPct val="75000"/>
+        <a:buFont typeface="Wingdings"/>
+        <a:buChar char=""/>
+        <a:defRPr kumimoji="0" sz="2300" kern="1200">
           <a:solidFill>
             <a:schemeClr val="tx1"/>
           </a:solidFill>
@@ -2891,13 +3459,17 @@
           <a:cs typeface="+mn-cs"/>
         </a:defRPr>
       </a:lvl3pPr>
-      <a:lvl4pPr marL="1600200" indent="-228600" algn="l" defTabSz="914400" rtl="0" eaLnBrk="1" latinLnBrk="0" hangingPunct="1">
+      <a:lvl4pPr marL="1371600" indent="-228600" algn="l" rtl="0" eaLnBrk="1" latinLnBrk="0" hangingPunct="1">
         <a:spcBef>
-          <a:spcPct val="20000"/>
+          <a:spcPts val="400"/>
         </a:spcBef>
-        <a:buFont typeface="Arial" pitchFamily="34" charset="0"/>
-        <a:buChar char="–"/>
-        <a:defRPr sz="2000" kern="1200">
+        <a:buClr>
+          <a:schemeClr val="accent3"/>
+        </a:buClr>
+        <a:buSzPct val="75000"/>
+        <a:buFont typeface="Wingdings"/>
+        <a:buChar char=""/>
+        <a:defRPr kumimoji="0" sz="2000" kern="1200">
           <a:solidFill>
             <a:schemeClr val="tx1"/>
           </a:solidFill>
@@ -2906,13 +3478,17 @@
           <a:cs typeface="+mn-cs"/>
         </a:defRPr>
       </a:lvl4pPr>
-      <a:lvl5pPr marL="2057400" indent="-228600" algn="l" defTabSz="914400" rtl="0" eaLnBrk="1" latinLnBrk="0" hangingPunct="1">
+      <a:lvl5pPr marL="1828800" indent="-228600" algn="l" rtl="0" eaLnBrk="1" latinLnBrk="0" hangingPunct="1">
         <a:spcBef>
-          <a:spcPct val="20000"/>
+          <a:spcPts val="400"/>
         </a:spcBef>
-        <a:buFont typeface="Arial" pitchFamily="34" charset="0"/>
-        <a:buChar char="»"/>
-        <a:defRPr sz="2000" kern="1200">
+        <a:buClr>
+          <a:schemeClr val="accent4"/>
+        </a:buClr>
+        <a:buSzPct val="65000"/>
+        <a:buFont typeface="Wingdings"/>
+        <a:buChar char=""/>
+        <a:defRPr kumimoji="0" sz="2000" kern="1200">
           <a:solidFill>
             <a:schemeClr val="tx1"/>
           </a:solidFill>
@@ -2921,13 +3497,16 @@
           <a:cs typeface="+mn-cs"/>
         </a:defRPr>
       </a:lvl5pPr>
-      <a:lvl6pPr marL="2514600" indent="-228600" algn="l" defTabSz="914400" rtl="0" eaLnBrk="1" latinLnBrk="0" hangingPunct="1">
+      <a:lvl6pPr marL="2103120" indent="-228600" algn="l" rtl="0" eaLnBrk="1" latinLnBrk="0" hangingPunct="1">
         <a:spcBef>
           <a:spcPct val="20000"/>
         </a:spcBef>
-        <a:buFont typeface="Arial" pitchFamily="34" charset="0"/>
-        <a:buChar char="•"/>
-        <a:defRPr sz="2000" kern="1200">
+        <a:buClr>
+          <a:schemeClr val="accent1"/>
+        </a:buClr>
+        <a:buFont typeface="Wingdings"/>
+        <a:buChar char="§"/>
+        <a:defRPr kumimoji="0" sz="1800" kern="1200" baseline="0">
           <a:solidFill>
             <a:schemeClr val="tx1"/>
           </a:solidFill>
@@ -2936,13 +3515,16 @@
           <a:cs typeface="+mn-cs"/>
         </a:defRPr>
       </a:lvl6pPr>
-      <a:lvl7pPr marL="2971800" indent="-228600" algn="l" defTabSz="914400" rtl="0" eaLnBrk="1" latinLnBrk="0" hangingPunct="1">
+      <a:lvl7pPr marL="2377440" indent="-228600" algn="l" rtl="0" eaLnBrk="1" latinLnBrk="0" hangingPunct="1">
         <a:spcBef>
           <a:spcPct val="20000"/>
         </a:spcBef>
-        <a:buFont typeface="Arial" pitchFamily="34" charset="0"/>
-        <a:buChar char="•"/>
-        <a:defRPr sz="2000" kern="1200">
+        <a:buClr>
+          <a:schemeClr val="accent2"/>
+        </a:buClr>
+        <a:buFont typeface="Wingdings"/>
+        <a:buChar char="§"/>
+        <a:defRPr kumimoji="0" sz="1800" kern="1200" baseline="0">
           <a:solidFill>
             <a:schemeClr val="tx1"/>
           </a:solidFill>
@@ -2951,13 +3533,16 @@
           <a:cs typeface="+mn-cs"/>
         </a:defRPr>
       </a:lvl7pPr>
-      <a:lvl8pPr marL="3429000" indent="-228600" algn="l" defTabSz="914400" rtl="0" eaLnBrk="1" latinLnBrk="0" hangingPunct="1">
+      <a:lvl8pPr marL="2651760" indent="-228600" algn="l" rtl="0" eaLnBrk="1" latinLnBrk="0" hangingPunct="1">
         <a:spcBef>
           <a:spcPct val="20000"/>
         </a:spcBef>
-        <a:buFont typeface="Arial" pitchFamily="34" charset="0"/>
-        <a:buChar char="•"/>
-        <a:defRPr sz="2000" kern="1200">
+        <a:buClr>
+          <a:schemeClr val="accent3"/>
+        </a:buClr>
+        <a:buFont typeface="Wingdings"/>
+        <a:buChar char="§"/>
+        <a:defRPr kumimoji="0" sz="1800" kern="1200" baseline="0">
           <a:solidFill>
             <a:schemeClr val="tx1"/>
           </a:solidFill>
@@ -2966,13 +3551,16 @@
           <a:cs typeface="+mn-cs"/>
         </a:defRPr>
       </a:lvl8pPr>
-      <a:lvl9pPr marL="3886200" indent="-228600" algn="l" defTabSz="914400" rtl="0" eaLnBrk="1" latinLnBrk="0" hangingPunct="1">
+      <a:lvl9pPr marL="2926080" indent="-228600" algn="l" rtl="0" eaLnBrk="1" latinLnBrk="0" hangingPunct="1">
         <a:spcBef>
           <a:spcPct val="20000"/>
         </a:spcBef>
-        <a:buFont typeface="Arial" pitchFamily="34" charset="0"/>
-        <a:buChar char="•"/>
-        <a:defRPr sz="2000" kern="1200">
+        <a:buClr>
+          <a:schemeClr val="accent4"/>
+        </a:buClr>
+        <a:buFont typeface="Wingdings"/>
+        <a:buChar char="§"/>
+        <a:defRPr kumimoji="0" sz="1800" kern="1200" baseline="0">
           <a:solidFill>
             <a:schemeClr val="tx1"/>
           </a:solidFill>
@@ -2983,11 +3571,8 @@
       </a:lvl9pPr>
     </p:bodyStyle>
     <p:otherStyle>
-      <a:defPPr>
-        <a:defRPr lang="en-US"/>
-      </a:defPPr>
-      <a:lvl1pPr marL="0" algn="l" defTabSz="914400" rtl="0" eaLnBrk="1" latinLnBrk="0" hangingPunct="1">
-        <a:defRPr sz="1800" kern="1200">
+      <a:lvl1pPr marL="0" algn="l" rtl="0" eaLnBrk="1" latinLnBrk="0" hangingPunct="1">
+        <a:defRPr kumimoji="0" kern="1200">
           <a:solidFill>
             <a:schemeClr val="tx1"/>
           </a:solidFill>
@@ -2996,8 +3581,8 @@
           <a:cs typeface="+mn-cs"/>
         </a:defRPr>
       </a:lvl1pPr>
-      <a:lvl2pPr marL="457200" algn="l" defTabSz="914400" rtl="0" eaLnBrk="1" latinLnBrk="0" hangingPunct="1">
-        <a:defRPr sz="1800" kern="1200">
+      <a:lvl2pPr marL="457200" algn="l" rtl="0" eaLnBrk="1" latinLnBrk="0" hangingPunct="1">
+        <a:defRPr kumimoji="0" kern="1200">
           <a:solidFill>
             <a:schemeClr val="tx1"/>
           </a:solidFill>
@@ -3006,8 +3591,8 @@
           <a:cs typeface="+mn-cs"/>
         </a:defRPr>
       </a:lvl2pPr>
-      <a:lvl3pPr marL="914400" algn="l" defTabSz="914400" rtl="0" eaLnBrk="1" latinLnBrk="0" hangingPunct="1">
-        <a:defRPr sz="1800" kern="1200">
+      <a:lvl3pPr marL="914400" algn="l" rtl="0" eaLnBrk="1" latinLnBrk="0" hangingPunct="1">
+        <a:defRPr kumimoji="0" kern="1200">
           <a:solidFill>
             <a:schemeClr val="tx1"/>
           </a:solidFill>
@@ -3016,8 +3601,8 @@
           <a:cs typeface="+mn-cs"/>
         </a:defRPr>
       </a:lvl3pPr>
-      <a:lvl4pPr marL="1371600" algn="l" defTabSz="914400" rtl="0" eaLnBrk="1" latinLnBrk="0" hangingPunct="1">
-        <a:defRPr sz="1800" kern="1200">
+      <a:lvl4pPr marL="1371600" algn="l" rtl="0" eaLnBrk="1" latinLnBrk="0" hangingPunct="1">
+        <a:defRPr kumimoji="0" kern="1200">
           <a:solidFill>
             <a:schemeClr val="tx1"/>
           </a:solidFill>
@@ -3026,8 +3611,8 @@
           <a:cs typeface="+mn-cs"/>
         </a:defRPr>
       </a:lvl4pPr>
-      <a:lvl5pPr marL="1828800" algn="l" defTabSz="914400" rtl="0" eaLnBrk="1" latinLnBrk="0" hangingPunct="1">
-        <a:defRPr sz="1800" kern="1200">
+      <a:lvl5pPr marL="1828800" algn="l" rtl="0" eaLnBrk="1" latinLnBrk="0" hangingPunct="1">
+        <a:defRPr kumimoji="0" kern="1200">
           <a:solidFill>
             <a:schemeClr val="tx1"/>
           </a:solidFill>
@@ -3036,8 +3621,8 @@
           <a:cs typeface="+mn-cs"/>
         </a:defRPr>
       </a:lvl5pPr>
-      <a:lvl6pPr marL="2286000" algn="l" defTabSz="914400" rtl="0" eaLnBrk="1" latinLnBrk="0" hangingPunct="1">
-        <a:defRPr sz="1800" kern="1200">
+      <a:lvl6pPr marL="2286000" algn="l" rtl="0" eaLnBrk="1" latinLnBrk="0" hangingPunct="1">
+        <a:defRPr kumimoji="0" kern="1200">
           <a:solidFill>
             <a:schemeClr val="tx1"/>
           </a:solidFill>
@@ -3046,8 +3631,8 @@
           <a:cs typeface="+mn-cs"/>
         </a:defRPr>
       </a:lvl6pPr>
-      <a:lvl7pPr marL="2743200" algn="l" defTabSz="914400" rtl="0" eaLnBrk="1" latinLnBrk="0" hangingPunct="1">
-        <a:defRPr sz="1800" kern="1200">
+      <a:lvl7pPr marL="2743200" algn="l" rtl="0" eaLnBrk="1" latinLnBrk="0" hangingPunct="1">
+        <a:defRPr kumimoji="0" kern="1200">
           <a:solidFill>
             <a:schemeClr val="tx1"/>
           </a:solidFill>
@@ -3056,8 +3641,8 @@
           <a:cs typeface="+mn-cs"/>
         </a:defRPr>
       </a:lvl7pPr>
-      <a:lvl8pPr marL="3200400" algn="l" defTabSz="914400" rtl="0" eaLnBrk="1" latinLnBrk="0" hangingPunct="1">
-        <a:defRPr sz="1800" kern="1200">
+      <a:lvl8pPr marL="3200400" algn="l" rtl="0" eaLnBrk="1" latinLnBrk="0" hangingPunct="1">
+        <a:defRPr kumimoji="0" kern="1200">
           <a:solidFill>
             <a:schemeClr val="tx1"/>
           </a:solidFill>
@@ -3066,8 +3651,8 @@
           <a:cs typeface="+mn-cs"/>
         </a:defRPr>
       </a:lvl8pPr>
-      <a:lvl9pPr marL="3657600" algn="l" defTabSz="914400" rtl="0" eaLnBrk="1" latinLnBrk="0" hangingPunct="1">
-        <a:defRPr sz="1800" kern="1200">
+      <a:lvl9pPr marL="3657600" algn="l" rtl="0" eaLnBrk="1" latinLnBrk="0" hangingPunct="1">
+        <a:defRPr kumimoji="0" kern="1200">
           <a:solidFill>
             <a:schemeClr val="tx1"/>
           </a:solidFill>
@@ -3110,7 +3695,9 @@
         </p:nvSpPr>
         <p:spPr/>
         <p:txBody>
-          <a:bodyPr/>
+          <a:bodyPr>
+            <a:normAutofit fontScale="90000"/>
+          </a:bodyPr>
           <a:lstStyle/>
           <a:p>
             <a:r>
@@ -3145,18 +3732,22 @@
         </p:nvSpPr>
         <p:spPr/>
         <p:txBody>
-          <a:bodyPr/>
-          <a:lstStyle/>
-          <a:p>
+          <a:bodyPr>
+            <a:normAutofit fontScale="92500"/>
+          </a:bodyPr>
+          <a:lstStyle/>
+          <a:p>
+            <a:r>
+              <a:rPr lang="en-US" smtClean="0"/>
+              <a:t>Robert </a:t>
+            </a:r>
+            <a:r>
+              <a:rPr lang="en-US" smtClean="0"/>
+              <a:t>Emerson			April </a:t>
+            </a:r>
             <a:r>
               <a:rPr lang="en-US" dirty="0" smtClean="0"/>
-              <a:t>Robert Emerson</a:t>
-            </a:r>
-          </a:p>
-          <a:p>
-            <a:r>
-              <a:rPr lang="en-US" dirty="0" smtClean="0"/>
-              <a:t>April 29, 2013</a:t>
+              <a:t>29, 2013</a:t>
             </a:r>
           </a:p>
           <a:p>
@@ -3226,7 +3817,7 @@
             <a:spLocks noGrp="1"/>
           </p:cNvSpPr>
           <p:nvPr>
-            <p:ph idx="1"/>
+            <p:ph sz="quarter" idx="1"/>
           </p:nvPr>
         </p:nvSpPr>
         <p:spPr/>
@@ -3329,13 +3920,13 @@
             <a:spLocks noGrp="1"/>
           </p:cNvSpPr>
           <p:nvPr>
-            <p:ph idx="1"/>
+            <p:ph sz="quarter" idx="1"/>
           </p:nvPr>
         </p:nvSpPr>
         <p:spPr/>
         <p:txBody>
           <a:bodyPr>
-            <a:normAutofit fontScale="85000" lnSpcReduction="10000"/>
+            <a:normAutofit lnSpcReduction="10000"/>
           </a:bodyPr>
           <a:lstStyle/>
           <a:p>
@@ -3476,13 +4067,13 @@
             <a:spLocks noGrp="1"/>
           </p:cNvSpPr>
           <p:nvPr>
-            <p:ph idx="1"/>
+            <p:ph sz="quarter" idx="1"/>
           </p:nvPr>
         </p:nvSpPr>
         <p:spPr/>
         <p:txBody>
           <a:bodyPr>
-            <a:normAutofit fontScale="92500" lnSpcReduction="20000"/>
+            <a:normAutofit/>
           </a:bodyPr>
           <a:lstStyle/>
           <a:p>
@@ -3561,10 +4152,263 @@
 </p:sld>
 </file>
 
+<file path=ppt/slides/slide5.xml><?xml version="1.0" encoding="utf-8"?>
+<p:sld xmlns:a="http://schemas.openxmlformats.org/drawingml/2006/main" xmlns:r="http://schemas.openxmlformats.org/officeDocument/2006/relationships" xmlns:p="http://schemas.openxmlformats.org/presentationml/2006/main">
+  <p:cSld>
+    <p:spTree>
+      <p:nvGrpSpPr>
+        <p:cNvPr id="1" name=""/>
+        <p:cNvGrpSpPr/>
+        <p:nvPr/>
+      </p:nvGrpSpPr>
+      <p:grpSpPr>
+        <a:xfrm>
+          <a:off x="0" y="0"/>
+          <a:ext cx="0" cy="0"/>
+          <a:chOff x="0" y="0"/>
+          <a:chExt cx="0" cy="0"/>
+        </a:xfrm>
+      </p:grpSpPr>
+      <p:sp>
+        <p:nvSpPr>
+          <p:cNvPr id="2" name="Title 1"/>
+          <p:cNvSpPr>
+            <a:spLocks noGrp="1"/>
+          </p:cNvSpPr>
+          <p:nvPr>
+            <p:ph type="title"/>
+          </p:nvPr>
+        </p:nvSpPr>
+        <p:spPr/>
+        <p:txBody>
+          <a:bodyPr>
+            <a:normAutofit/>
+          </a:bodyPr>
+          <a:lstStyle/>
+          <a:p>
+            <a:r>
+              <a:rPr lang="en-US" dirty="0" smtClean="0"/>
+              <a:t>Results</a:t>
+            </a:r>
+            <a:endParaRPr lang="en-US" dirty="0"/>
+          </a:p>
+        </p:txBody>
+      </p:sp>
+      <p:sp>
+        <p:nvSpPr>
+          <p:cNvPr id="3" name="Content Placeholder 2"/>
+          <p:cNvSpPr>
+            <a:spLocks noGrp="1"/>
+          </p:cNvSpPr>
+          <p:nvPr>
+            <p:ph sz="quarter" idx="1"/>
+          </p:nvPr>
+        </p:nvSpPr>
+        <p:spPr/>
+        <p:txBody>
+          <a:bodyPr/>
+          <a:lstStyle/>
+          <a:p>
+            <a:r>
+              <a:rPr lang="en-US" dirty="0" smtClean="0"/>
+              <a:t>Graph size of 10,000 nodes</a:t>
+            </a:r>
+          </a:p>
+          <a:p>
+            <a:r>
+              <a:rPr lang="en-US" dirty="0" smtClean="0"/>
+              <a:t>KKT Algorithm:</a:t>
+            </a:r>
+          </a:p>
+          <a:p>
+            <a:r>
+              <a:rPr lang="en-US" dirty="0" err="1" smtClean="0"/>
+              <a:t>Kruskal’s</a:t>
+            </a:r>
+            <a:r>
+              <a:rPr lang="en-US" dirty="0" smtClean="0"/>
+              <a:t> Algorithm: </a:t>
+            </a:r>
+          </a:p>
+        </p:txBody>
+      </p:sp>
+    </p:spTree>
+    <p:extLst>
+      <p:ext uri="{BB962C8B-B14F-4D97-AF65-F5344CB8AC3E}">
+        <p14:creationId xmlns:p14="http://schemas.microsoft.com/office/powerpoint/2010/main" val="3677946685"/>
+      </p:ext>
+    </p:extLst>
+  </p:cSld>
+  <p:clrMapOvr>
+    <a:masterClrMapping/>
+  </p:clrMapOvr>
+</p:sld>
+</file>
+
+<file path=ppt/slides/slide6.xml><?xml version="1.0" encoding="utf-8"?>
+<p:sld xmlns:a="http://schemas.openxmlformats.org/drawingml/2006/main" xmlns:r="http://schemas.openxmlformats.org/officeDocument/2006/relationships" xmlns:p="http://schemas.openxmlformats.org/presentationml/2006/main">
+  <p:cSld>
+    <p:spTree>
+      <p:nvGrpSpPr>
+        <p:cNvPr id="1" name=""/>
+        <p:cNvGrpSpPr/>
+        <p:nvPr/>
+      </p:nvGrpSpPr>
+      <p:grpSpPr>
+        <a:xfrm>
+          <a:off x="0" y="0"/>
+          <a:ext cx="0" cy="0"/>
+          <a:chOff x="0" y="0"/>
+          <a:chExt cx="0" cy="0"/>
+        </a:xfrm>
+      </p:grpSpPr>
+      <p:sp>
+        <p:nvSpPr>
+          <p:cNvPr id="2" name="Title 1"/>
+          <p:cNvSpPr>
+            <a:spLocks noGrp="1"/>
+          </p:cNvSpPr>
+          <p:nvPr>
+            <p:ph type="title"/>
+          </p:nvPr>
+        </p:nvSpPr>
+        <p:spPr/>
+        <p:txBody>
+          <a:bodyPr>
+            <a:normAutofit/>
+          </a:bodyPr>
+          <a:lstStyle/>
+          <a:p>
+            <a:r>
+              <a:rPr lang="en-US" dirty="0" smtClean="0"/>
+              <a:t>Links</a:t>
+            </a:r>
+            <a:endParaRPr lang="en-US" dirty="0"/>
+          </a:p>
+        </p:txBody>
+      </p:sp>
+      <p:sp>
+        <p:nvSpPr>
+          <p:cNvPr id="3" name="Content Placeholder 2"/>
+          <p:cNvSpPr>
+            <a:spLocks noGrp="1"/>
+          </p:cNvSpPr>
+          <p:nvPr>
+            <p:ph sz="quarter" idx="1"/>
+          </p:nvPr>
+        </p:nvSpPr>
+        <p:spPr/>
+        <p:txBody>
+          <a:bodyPr>
+            <a:normAutofit fontScale="92500" lnSpcReduction="10000"/>
+          </a:bodyPr>
+          <a:lstStyle/>
+          <a:p>
+            <a:r>
+              <a:rPr lang="en-US" dirty="0" smtClean="0"/>
+              <a:t>Code:</a:t>
+            </a:r>
+          </a:p>
+          <a:p>
+            <a:pPr lvl="1"/>
+            <a:r>
+              <a:rPr lang="en-US" sz="2400" dirty="0" smtClean="0">
+                <a:hlinkClick r:id="rId2"/>
+              </a:rPr>
+              <a:t>http://www.github.com/Robert-Emerson/6161_final</a:t>
+            </a:r>
+            <a:endParaRPr lang="en-US" sz="2400" dirty="0" smtClean="0"/>
+          </a:p>
+          <a:p>
+            <a:pPr lvl="1"/>
+            <a:r>
+              <a:rPr lang="en-US" sz="2400" dirty="0" smtClean="0">
+                <a:hlinkClick r:id="rId3"/>
+              </a:rPr>
+              <a:t>http://www.boost.org/doc/libs/1_53_0/libs/graph/doc/</a:t>
+            </a:r>
+            <a:endParaRPr lang="en-US" sz="2400" dirty="0"/>
+          </a:p>
+          <a:p>
+            <a:r>
+              <a:rPr lang="en-US" dirty="0" smtClean="0"/>
+              <a:t>Papers:</a:t>
+            </a:r>
+          </a:p>
+          <a:p>
+            <a:pPr lvl="1"/>
+            <a:r>
+              <a:rPr lang="en-US" sz="2400" dirty="0" smtClean="0"/>
+              <a:t>KKT: </a:t>
+            </a:r>
+            <a:r>
+              <a:rPr lang="en-US" sz="2400" dirty="0" smtClean="0">
+                <a:hlinkClick r:id="rId4"/>
+              </a:rPr>
+              <a:t>http</a:t>
+            </a:r>
+            <a:r>
+              <a:rPr lang="en-US" sz="2400" dirty="0">
+                <a:hlinkClick r:id="rId4"/>
+              </a:rPr>
+              <a:t>://citeseerx.ist.psu.edu/viewdoc/summary?doi=10.1.1.33.3957</a:t>
+            </a:r>
+            <a:endParaRPr lang="en-US" sz="2400" dirty="0" smtClean="0"/>
+          </a:p>
+          <a:p>
+            <a:pPr lvl="1"/>
+            <a:r>
+              <a:rPr lang="en-US" sz="2400" dirty="0" smtClean="0"/>
+              <a:t>King: </a:t>
+            </a:r>
+            <a:r>
+              <a:rPr lang="en-US" sz="2400" dirty="0">
+                <a:hlinkClick r:id="rId5"/>
+              </a:rPr>
+              <a:t>http://citeseerx.ist.psu.edu/viewdoc/summary?doi=10.1.1.44.6311</a:t>
+            </a:r>
+            <a:endParaRPr lang="en-US" sz="2400" dirty="0" smtClean="0"/>
+          </a:p>
+          <a:p>
+            <a:pPr lvl="1"/>
+            <a:r>
+              <a:rPr lang="en-US" sz="2400" dirty="0" err="1" smtClean="0"/>
+              <a:t>Hagerup</a:t>
+            </a:r>
+            <a:r>
+              <a:rPr lang="en-US" sz="2400" dirty="0" smtClean="0"/>
+              <a:t>: </a:t>
+            </a:r>
+            <a:r>
+              <a:rPr lang="en-US" sz="2400" dirty="0">
+                <a:hlinkClick r:id="rId6"/>
+              </a:rPr>
+              <a:t>http://link.springer.com/chapter/10.1007/978-3-642-11409-0_16</a:t>
+            </a:r>
+            <a:endParaRPr lang="en-US" sz="2400" dirty="0" smtClean="0"/>
+          </a:p>
+          <a:p>
+            <a:endParaRPr lang="en-US" sz="2400" dirty="0"/>
+          </a:p>
+        </p:txBody>
+      </p:sp>
+    </p:spTree>
+    <p:extLst>
+      <p:ext uri="{BB962C8B-B14F-4D97-AF65-F5344CB8AC3E}">
+        <p14:creationId xmlns:p14="http://schemas.microsoft.com/office/powerpoint/2010/main" val="686417519"/>
+      </p:ext>
+    </p:extLst>
+  </p:cSld>
+  <p:clrMapOvr>
+    <a:masterClrMapping/>
+  </p:clrMapOvr>
+</p:sld>
+</file>
+
 <file path=ppt/theme/theme1.xml><?xml version="1.0" encoding="utf-8"?>
-<a:theme xmlns:a="http://schemas.openxmlformats.org/drawingml/2006/main" name="Office Theme">
+<a:theme xmlns:a="http://schemas.openxmlformats.org/drawingml/2006/main" name="Median">
   <a:themeElements>
-    <a:clrScheme name="Office">
+    <a:clrScheme name="Median">
       <a:dk1>
         <a:sysClr val="windowText" lastClr="000000"/>
       </a:dk1>
@@ -3572,83 +4416,50 @@
         <a:sysClr val="window" lastClr="FFFFFF"/>
       </a:lt1>
       <a:dk2>
-        <a:srgbClr val="1F497D"/>
+        <a:srgbClr val="775F55"/>
       </a:dk2>
       <a:lt2>
-        <a:srgbClr val="EEECE1"/>
+        <a:srgbClr val="EBDDC3"/>
       </a:lt2>
       <a:accent1>
-        <a:srgbClr val="4F81BD"/>
+        <a:srgbClr val="94B6D2"/>
       </a:accent1>
       <a:accent2>
-        <a:srgbClr val="C0504D"/>
+        <a:srgbClr val="DD8047"/>
       </a:accent2>
       <a:accent3>
-        <a:srgbClr val="9BBB59"/>
+        <a:srgbClr val="A5AB81"/>
       </a:accent3>
       <a:accent4>
-        <a:srgbClr val="8064A2"/>
+        <a:srgbClr val="D8B25C"/>
       </a:accent4>
       <a:accent5>
-        <a:srgbClr val="4BACC6"/>
+        <a:srgbClr val="7BA79D"/>
       </a:accent5>
       <a:accent6>
-        <a:srgbClr val="F79646"/>
+        <a:srgbClr val="968C8C"/>
       </a:accent6>
       <a:hlink>
-        <a:srgbClr val="0000FF"/>
+        <a:srgbClr val="F7B615"/>
       </a:hlink>
       <a:folHlink>
-        <a:srgbClr val="800080"/>
+        <a:srgbClr val="704404"/>
       </a:folHlink>
     </a:clrScheme>
-    <a:fontScheme name="Office">
+    <a:fontScheme name="Median">
       <a:majorFont>
-        <a:latin typeface="Calibri"/>
+        <a:latin typeface="Tw Cen MT"/>
         <a:ea typeface=""/>
         <a:cs typeface=""/>
-        <a:font script="Jpan" typeface="ＭＳ Ｐゴシック"/>
-        <a:font script="Hang" typeface="맑은 고딕"/>
-        <a:font script="Hans" typeface="宋体"/>
-        <a:font script="Hant" typeface="新細明體"/>
-        <a:font script="Arab" typeface="Times New Roman"/>
-        <a:font script="Hebr" typeface="Times New Roman"/>
-        <a:font script="Thai" typeface="Angsana New"/>
-        <a:font script="Ethi" typeface="Nyala"/>
-        <a:font script="Beng" typeface="Vrinda"/>
-        <a:font script="Gujr" typeface="Shruti"/>
-        <a:font script="Khmr" typeface="MoolBoran"/>
-        <a:font script="Knda" typeface="Tunga"/>
-        <a:font script="Guru" typeface="Raavi"/>
-        <a:font script="Cans" typeface="Euphemia"/>
-        <a:font script="Cher" typeface="Plantagenet Cherokee"/>
-        <a:font script="Yiii" typeface="Microsoft Yi Baiti"/>
-        <a:font script="Tibt" typeface="Microsoft Himalaya"/>
-        <a:font script="Thaa" typeface="MV Boli"/>
-        <a:font script="Deva" typeface="Mangal"/>
-        <a:font script="Telu" typeface="Gautami"/>
-        <a:font script="Taml" typeface="Latha"/>
-        <a:font script="Syrc" typeface="Estrangelo Edessa"/>
-        <a:font script="Orya" typeface="Kalinga"/>
-        <a:font script="Mlym" typeface="Kartika"/>
-        <a:font script="Laoo" typeface="DokChampa"/>
-        <a:font script="Sinh" typeface="Iskoola Pota"/>
-        <a:font script="Mong" typeface="Mongolian Baiti"/>
-        <a:font script="Viet" typeface="Times New Roman"/>
-        <a:font script="Uigh" typeface="Microsoft Uighur"/>
-        <a:font script="Geor" typeface="Sylfaen"/>
-      </a:majorFont>
-      <a:minorFont>
-        <a:latin typeface="Calibri"/>
-        <a:ea typeface=""/>
-        <a:cs typeface=""/>
-        <a:font script="Jpan" typeface="ＭＳ Ｐゴシック"/>
-        <a:font script="Hang" typeface="맑은 고딕"/>
-        <a:font script="Hans" typeface="宋体"/>
-        <a:font script="Hant" typeface="新細明體"/>
+        <a:font script="Grek" typeface="Calibri"/>
+        <a:font script="Cyrl" typeface="Calibri"/>
+        <a:font script="Jpan" typeface="HGPｺﾞｼｯｸE"/>
+        <a:font script="Hang" typeface="HY얕은샘물M"/>
+        <a:font script="Hans" typeface="华文仿宋"/>
+        <a:font script="Hant" typeface="微軟正黑體"/>
         <a:font script="Arab" typeface="Arial"/>
-        <a:font script="Hebr" typeface="Arial"/>
-        <a:font script="Thai" typeface="Cordia New"/>
+        <a:font script="Hebr" typeface="Levenim MT"/>
+        <a:font script="Thai" typeface="FreesiaUPC"/>
         <a:font script="Ethi" typeface="Nyala"/>
         <a:font script="Beng" typeface="Vrinda"/>
         <a:font script="Gujr" typeface="Shruti"/>
@@ -3669,80 +4480,76 @@
         <a:font script="Laoo" typeface="DokChampa"/>
         <a:font script="Sinh" typeface="Iskoola Pota"/>
         <a:font script="Mong" typeface="Mongolian Baiti"/>
-        <a:font script="Viet" typeface="Arial"/>
+        <a:font script="Viet" typeface="Tahoma"/>
+        <a:font script="Uigh" typeface="Microsoft Uighur"/>
+        <a:font script="Geor" typeface="Sylfaen"/>
+      </a:majorFont>
+      <a:minorFont>
+        <a:latin typeface="Tw Cen MT"/>
+        <a:ea typeface=""/>
+        <a:cs typeface=""/>
+        <a:font script="Grek" typeface="Calibri"/>
+        <a:font script="Cyrl" typeface="Calibri"/>
+        <a:font script="Jpan" typeface="HGPｺﾞｼｯｸE"/>
+        <a:font script="Hang" typeface="HY얕은샘물M"/>
+        <a:font script="Hans" typeface="华文仿宋"/>
+        <a:font script="Hant" typeface="微軟正黑體"/>
+        <a:font script="Arab" typeface="Arial"/>
+        <a:font script="Hebr" typeface="Levenim MT"/>
+        <a:font script="Thai" typeface="FreesiaUPC"/>
+        <a:font script="Ethi" typeface="Nyala"/>
+        <a:font script="Beng" typeface="Vrinda"/>
+        <a:font script="Gujr" typeface="Shruti"/>
+        <a:font script="Khmr" typeface="DaunPenh"/>
+        <a:font script="Knda" typeface="Tunga"/>
+        <a:font script="Guru" typeface="Raavi"/>
+        <a:font script="Cans" typeface="Euphemia"/>
+        <a:font script="Cher" typeface="Plantagenet Cherokee"/>
+        <a:font script="Yiii" typeface="Microsoft Yi Baiti"/>
+        <a:font script="Tibt" typeface="Microsoft Himalaya"/>
+        <a:font script="Thaa" typeface="MV Boli"/>
+        <a:font script="Deva" typeface="Mangal"/>
+        <a:font script="Telu" typeface="Gautami"/>
+        <a:font script="Taml" typeface="Latha"/>
+        <a:font script="Syrc" typeface="Estrangelo Edessa"/>
+        <a:font script="Orya" typeface="Kalinga"/>
+        <a:font script="Mlym" typeface="Kartika"/>
+        <a:font script="Laoo" typeface="DokChampa"/>
+        <a:font script="Sinh" typeface="Iskoola Pota"/>
+        <a:font script="Mong" typeface="Mongolian Baiti"/>
+        <a:font script="Viet" typeface="Tahoma"/>
         <a:font script="Uigh" typeface="Microsoft Uighur"/>
         <a:font script="Geor" typeface="Sylfaen"/>
       </a:minorFont>
     </a:fontScheme>
-    <a:fmtScheme name="Office">
+    <a:fmtScheme name="Median">
       <a:fillStyleLst>
         <a:solidFill>
           <a:schemeClr val="phClr"/>
         </a:solidFill>
-        <a:gradFill rotWithShape="1">
-          <a:gsLst>
-            <a:gs pos="0">
-              <a:schemeClr val="phClr">
-                <a:tint val="50000"/>
-                <a:satMod val="300000"/>
-              </a:schemeClr>
-            </a:gs>
-            <a:gs pos="35000">
-              <a:schemeClr val="phClr">
-                <a:tint val="37000"/>
-                <a:satMod val="300000"/>
-              </a:schemeClr>
-            </a:gs>
-            <a:gs pos="100000">
-              <a:schemeClr val="phClr">
-                <a:tint val="15000"/>
-                <a:satMod val="350000"/>
-              </a:schemeClr>
-            </a:gs>
-          </a:gsLst>
-          <a:lin ang="16200000" scaled="1"/>
-        </a:gradFill>
-        <a:gradFill rotWithShape="1">
-          <a:gsLst>
-            <a:gs pos="0">
-              <a:schemeClr val="phClr">
-                <a:shade val="51000"/>
-                <a:satMod val="130000"/>
-              </a:schemeClr>
-            </a:gs>
-            <a:gs pos="80000">
-              <a:schemeClr val="phClr">
-                <a:shade val="93000"/>
-                <a:satMod val="130000"/>
-              </a:schemeClr>
-            </a:gs>
-            <a:gs pos="100000">
-              <a:schemeClr val="phClr">
-                <a:shade val="94000"/>
-                <a:satMod val="135000"/>
-              </a:schemeClr>
-            </a:gs>
-          </a:gsLst>
-          <a:lin ang="16200000" scaled="0"/>
-        </a:gradFill>
+        <a:solidFill>
+          <a:schemeClr val="phClr">
+            <a:tint val="50000"/>
+          </a:schemeClr>
+        </a:solidFill>
+        <a:solidFill>
+          <a:schemeClr val="phClr"/>
+        </a:solidFill>
       </a:fillStyleLst>
       <a:lnStyleLst>
-        <a:ln w="9525" cap="flat" cmpd="sng" algn="ctr">
-          <a:solidFill>
-            <a:schemeClr val="phClr">
-              <a:shade val="95000"/>
-              <a:satMod val="105000"/>
-            </a:schemeClr>
-          </a:solidFill>
-          <a:prstDash val="solid"/>
-        </a:ln>
-        <a:ln w="25400" cap="flat" cmpd="sng" algn="ctr">
+        <a:ln w="10000" cap="flat" cmpd="sng" algn="ctr">
           <a:solidFill>
             <a:schemeClr val="phClr"/>
           </a:solidFill>
           <a:prstDash val="solid"/>
         </a:ln>
-        <a:ln w="38100" cap="flat" cmpd="sng" algn="ctr">
+        <a:ln w="19050" cap="flat" cmpd="sng" algn="ctr">
+          <a:solidFill>
+            <a:schemeClr val="phClr"/>
+          </a:solidFill>
+          <a:prstDash val="solid"/>
+        </a:ln>
+        <a:ln w="47625" cap="flat" cmpd="dbl" algn="ctr">
           <a:solidFill>
             <a:schemeClr val="phClr"/>
           </a:solidFill>
@@ -3752,40 +4559,43 @@
       <a:effectStyleLst>
         <a:effectStyle>
           <a:effectLst>
-            <a:outerShdw blurRad="40000" dist="20000" dir="5400000" rotWithShape="0">
+            <a:outerShdw blurRad="38100" dist="30000" dir="5400000" rotWithShape="0">
               <a:srgbClr val="000000">
-                <a:alpha val="38000"/>
+                <a:alpha val="45000"/>
               </a:srgbClr>
             </a:outerShdw>
           </a:effectLst>
         </a:effectStyle>
         <a:effectStyle>
           <a:effectLst>
-            <a:outerShdw blurRad="40000" dist="23000" dir="5400000" rotWithShape="0">
+            <a:outerShdw blurRad="38100" dist="30000" dir="5400000" rotWithShape="0">
               <a:srgbClr val="000000">
-                <a:alpha val="35000"/>
+                <a:alpha val="45000"/>
               </a:srgbClr>
             </a:outerShdw>
           </a:effectLst>
         </a:effectStyle>
         <a:effectStyle>
           <a:effectLst>
-            <a:outerShdw blurRad="40000" dist="23000" dir="5400000" rotWithShape="0">
+            <a:outerShdw blurRad="38100" dist="25400" dir="5400000" rotWithShape="0">
               <a:srgbClr val="000000">
                 <a:alpha val="35000"/>
               </a:srgbClr>
             </a:outerShdw>
           </a:effectLst>
           <a:scene3d>
-            <a:camera prst="orthographicFront">
+            <a:camera prst="isometricTopDown" fov="0">
               <a:rot lat="0" lon="0" rev="0"/>
             </a:camera>
-            <a:lightRig rig="threePt" dir="t">
-              <a:rot lat="0" lon="0" rev="1200000"/>
+            <a:lightRig rig="balanced" dir="t">
+              <a:rot lat="0" lon="0" rev="13800000"/>
             </a:lightRig>
           </a:scene3d>
-          <a:sp3d>
-            <a:bevelT w="63500" h="25400"/>
+          <a:sp3d extrusionH="12700" prstMaterial="plastic">
+            <a:bevelT w="38100" h="25400" prst="softRound"/>
+            <a:contourClr>
+              <a:schemeClr val="phClr"/>
+            </a:contourClr>
           </a:sp3d>
         </a:effectStyle>
       </a:effectStyleLst>
@@ -3793,51 +4603,34 @@
         <a:solidFill>
           <a:schemeClr val="phClr"/>
         </a:solidFill>
-        <a:gradFill rotWithShape="1">
-          <a:gsLst>
-            <a:gs pos="0">
+        <a:blipFill>
+          <a:blip xmlns:r="http://schemas.openxmlformats.org/officeDocument/2006/relationships" r:embed="rId1">
+            <a:duotone>
               <a:schemeClr val="phClr">
-                <a:tint val="40000"/>
-                <a:satMod val="350000"/>
+                <a:shade val="90000"/>
+                <a:satMod val="140000"/>
               </a:schemeClr>
-            </a:gs>
-            <a:gs pos="40000">
               <a:schemeClr val="phClr">
-                <a:tint val="45000"/>
-                <a:shade val="99000"/>
-                <a:satMod val="350000"/>
+                <a:satMod val="120000"/>
               </a:schemeClr>
-            </a:gs>
-            <a:gs pos="100000">
+            </a:duotone>
+          </a:blip>
+          <a:tile tx="0" ty="0" sx="100000" sy="100000" flip="none" algn="tl"/>
+        </a:blipFill>
+        <a:blipFill>
+          <a:blip xmlns:r="http://schemas.openxmlformats.org/officeDocument/2006/relationships" r:embed="rId2">
+            <a:duotone>
               <a:schemeClr val="phClr">
-                <a:shade val="20000"/>
-                <a:satMod val="255000"/>
+                <a:shade val="90000"/>
+                <a:satMod val="140000"/>
               </a:schemeClr>
-            </a:gs>
-          </a:gsLst>
-          <a:path path="circle">
-            <a:fillToRect l="50000" t="-80000" r="50000" b="180000"/>
-          </a:path>
-        </a:gradFill>
-        <a:gradFill rotWithShape="1">
-          <a:gsLst>
-            <a:gs pos="0">
               <a:schemeClr val="phClr">
-                <a:tint val="80000"/>
-                <a:satMod val="300000"/>
+                <a:satMod val="120000"/>
               </a:schemeClr>
-            </a:gs>
-            <a:gs pos="100000">
-              <a:schemeClr val="phClr">
-                <a:shade val="30000"/>
-                <a:satMod val="200000"/>
-              </a:schemeClr>
-            </a:gs>
-          </a:gsLst>
-          <a:path path="circle">
-            <a:fillToRect l="50000" t="50000" r="50000" b="50000"/>
-          </a:path>
-        </a:gradFill>
+            </a:duotone>
+          </a:blip>
+          <a:tile tx="0" ty="0" sx="100000" sy="100000" flip="none" algn="tl"/>
+        </a:blipFill>
       </a:bgFillStyleLst>
     </a:fmtScheme>
   </a:themeElements>

--- a/presentation.pptx
+++ b/presentation.pptx
@@ -403,7 +403,7 @@
           <a:p>
             <a:fld id="{8AB41A34-2EE5-44C4-9BA3-2FC8AB148CCF}" type="datetimeFigureOut">
               <a:rPr lang="en-US" smtClean="0"/>
-              <a:t>4/26/2013</a:t>
+              <a:t>4/29/2013</a:t>
             </a:fld>
             <a:endParaRPr lang="en-US"/>
           </a:p>
@@ -594,7 +594,7 @@
           <a:p>
             <a:fld id="{8AB41A34-2EE5-44C4-9BA3-2FC8AB148CCF}" type="datetimeFigureOut">
               <a:rPr lang="en-US" smtClean="0"/>
-              <a:t>4/26/2013</a:t>
+              <a:t>4/29/2013</a:t>
             </a:fld>
             <a:endParaRPr lang="en-US"/>
           </a:p>
@@ -779,7 +779,7 @@
           <a:p>
             <a:fld id="{8AB41A34-2EE5-44C4-9BA3-2FC8AB148CCF}" type="datetimeFigureOut">
               <a:rPr lang="en-US" smtClean="0"/>
-              <a:t>4/26/2013</a:t>
+              <a:t>4/29/2013</a:t>
             </a:fld>
             <a:endParaRPr lang="en-US"/>
           </a:p>
@@ -1042,7 +1042,7 @@
           <a:p>
             <a:fld id="{8AB41A34-2EE5-44C4-9BA3-2FC8AB148CCF}" type="datetimeFigureOut">
               <a:rPr lang="en-US" smtClean="0"/>
-              <a:t>4/26/2013</a:t>
+              <a:t>4/29/2013</a:t>
             </a:fld>
             <a:endParaRPr lang="en-US"/>
           </a:p>
@@ -1458,7 +1458,7 @@
           <a:p>
             <a:fld id="{8AB41A34-2EE5-44C4-9BA3-2FC8AB148CCF}" type="datetimeFigureOut">
               <a:rPr lang="en-US" smtClean="0"/>
-              <a:t>4/26/2013</a:t>
+              <a:t>4/29/2013</a:t>
             </a:fld>
             <a:endParaRPr lang="en-US"/>
           </a:p>
@@ -1700,7 +1700,7 @@
           <a:p>
             <a:fld id="{8AB41A34-2EE5-44C4-9BA3-2FC8AB148CCF}" type="datetimeFigureOut">
               <a:rPr lang="en-US" smtClean="0"/>
-              <a:t>4/26/2013</a:t>
+              <a:t>4/29/2013</a:t>
             </a:fld>
             <a:endParaRPr lang="en-US"/>
           </a:p>
@@ -1936,7 +1936,7 @@
           <a:p>
             <a:fld id="{8AB41A34-2EE5-44C4-9BA3-2FC8AB148CCF}" type="datetimeFigureOut">
               <a:rPr lang="en-US" smtClean="0"/>
-              <a:t>4/26/2013</a:t>
+              <a:t>4/29/2013</a:t>
             </a:fld>
             <a:endParaRPr lang="en-US"/>
           </a:p>
@@ -2131,7 +2131,7 @@
           <a:p>
             <a:fld id="{8AB41A34-2EE5-44C4-9BA3-2FC8AB148CCF}" type="datetimeFigureOut">
               <a:rPr lang="en-US" smtClean="0"/>
-              <a:t>4/26/2013</a:t>
+              <a:t>4/29/2013</a:t>
             </a:fld>
             <a:endParaRPr lang="en-US"/>
           </a:p>
@@ -2229,7 +2229,7 @@
           <a:p>
             <a:fld id="{8AB41A34-2EE5-44C4-9BA3-2FC8AB148CCF}" type="datetimeFigureOut">
               <a:rPr lang="en-US" smtClean="0"/>
-              <a:t>4/26/2013</a:t>
+              <a:t>4/29/2013</a:t>
             </a:fld>
             <a:endParaRPr lang="en-US"/>
           </a:p>
@@ -2365,7 +2365,7 @@
           <a:p>
             <a:fld id="{8AB41A34-2EE5-44C4-9BA3-2FC8AB148CCF}" type="datetimeFigureOut">
               <a:rPr lang="en-US" smtClean="0"/>
-              <a:t>4/26/2013</a:t>
+              <a:t>4/29/2013</a:t>
             </a:fld>
             <a:endParaRPr lang="en-US"/>
           </a:p>
@@ -2883,7 +2883,7 @@
           <a:p>
             <a:fld id="{8AB41A34-2EE5-44C4-9BA3-2FC8AB148CCF}" type="datetimeFigureOut">
               <a:rPr lang="en-US" smtClean="0"/>
-              <a:t>4/26/2013</a:t>
+              <a:t>4/29/2013</a:t>
             </a:fld>
             <a:endParaRPr lang="en-US"/>
           </a:p>
@@ -3144,7 +3144,7 @@
           <a:p>
             <a:fld id="{8AB41A34-2EE5-44C4-9BA3-2FC8AB148CCF}" type="datetimeFigureOut">
               <a:rPr lang="en-US" smtClean="0"/>
-              <a:t>4/26/2013</a:t>
+              <a:t>4/29/2013</a:t>
             </a:fld>
             <a:endParaRPr lang="en-US"/>
           </a:p>
@@ -3739,11 +3739,7 @@
           <a:p>
             <a:r>
               <a:rPr lang="en-US" smtClean="0"/>
-              <a:t>Robert </a:t>
-            </a:r>
-            <a:r>
-              <a:rPr lang="en-US" smtClean="0"/>
-              <a:t>Emerson			April </a:t>
+              <a:t>Robert Emerson			April </a:t>
             </a:r>
             <a:r>
               <a:rPr lang="en-US" dirty="0" smtClean="0"/>
@@ -4206,19 +4202,63 @@
         </p:nvSpPr>
         <p:spPr/>
         <p:txBody>
-          <a:bodyPr/>
+          <a:bodyPr>
+            <a:normAutofit lnSpcReduction="10000"/>
+          </a:bodyPr>
           <a:lstStyle/>
           <a:p>
             <a:r>
               <a:rPr lang="en-US" dirty="0" smtClean="0"/>
-              <a:t>Graph size of 10,000 nodes</a:t>
-            </a:r>
-          </a:p>
-          <a:p>
+              <a:t>Code is still buggy, </a:t>
+            </a:r>
+            <a:r>
+              <a:rPr lang="en-US" dirty="0" err="1" smtClean="0"/>
+              <a:t>segfaults</a:t>
+            </a:r>
             <a:r>
               <a:rPr lang="en-US" dirty="0" smtClean="0"/>
-              <a:t>KKT Algorithm:</a:t>
-            </a:r>
+              <a:t> randomly at times.</a:t>
+            </a:r>
+          </a:p>
+          <a:p>
+            <a:r>
+              <a:rPr lang="en-US" dirty="0" smtClean="0"/>
+              <a:t>Graph </a:t>
+            </a:r>
+            <a:r>
+              <a:rPr lang="en-US" dirty="0" smtClean="0"/>
+              <a:t>size of </a:t>
+            </a:r>
+            <a:r>
+              <a:rPr lang="en-US" dirty="0" smtClean="0"/>
+              <a:t>10,000,000 nodes</a:t>
+            </a:r>
+          </a:p>
+          <a:p>
+            <a:pPr lvl="1"/>
+            <a:r>
+              <a:rPr lang="en-US" dirty="0" smtClean="0"/>
+              <a:t>Initialization takes ~25 seconds</a:t>
+            </a:r>
+            <a:endParaRPr lang="en-US" dirty="0" smtClean="0"/>
+          </a:p>
+          <a:p>
+            <a:r>
+              <a:rPr lang="en-US" dirty="0" smtClean="0"/>
+              <a:t>KKT Algorithm</a:t>
+            </a:r>
+            <a:r>
+              <a:rPr lang="en-US" dirty="0" smtClean="0"/>
+              <a:t>: DNF</a:t>
+            </a:r>
+          </a:p>
+          <a:p>
+            <a:pPr lvl="1"/>
+            <a:r>
+              <a:rPr lang="en-US" dirty="0" smtClean="0"/>
+              <a:t>At this graph size runs out of memory in ~25 seconds</a:t>
+            </a:r>
+            <a:endParaRPr lang="en-US" dirty="0" smtClean="0"/>
           </a:p>
           <a:p>
             <a:r>
@@ -4229,6 +4269,37 @@
               <a:rPr lang="en-US" dirty="0" smtClean="0"/>
               <a:t> Algorithm: </a:t>
             </a:r>
+            <a:r>
+              <a:rPr lang="en-US" dirty="0" smtClean="0"/>
+              <a:t>~35 seconds</a:t>
+            </a:r>
+          </a:p>
+          <a:p>
+            <a:pPr lvl="1"/>
+            <a:r>
+              <a:rPr lang="en-US" dirty="0" smtClean="0"/>
+              <a:t>Implementation from Boost C++ libraries</a:t>
+            </a:r>
+            <a:endParaRPr lang="en-US" dirty="0"/>
+          </a:p>
+          <a:p>
+            <a:r>
+              <a:rPr lang="en-US" dirty="0" smtClean="0"/>
+              <a:t>At smaller graph sizes, </a:t>
+            </a:r>
+            <a:r>
+              <a:rPr lang="en-US" dirty="0" err="1" smtClean="0"/>
+              <a:t>Kruska</a:t>
+            </a:r>
+            <a:r>
+              <a:rPr lang="en-US" dirty="0" err="1" smtClean="0"/>
+              <a:t>l’s</a:t>
+            </a:r>
+            <a:r>
+              <a:rPr lang="en-US" dirty="0" smtClean="0"/>
+              <a:t> Algorithm finishes before KKT</a:t>
+            </a:r>
+            <a:endParaRPr lang="en-US" dirty="0" smtClean="0"/>
           </a:p>
         </p:txBody>
       </p:sp>
